--- a/Clase10/Presentación.pptx
+++ b/Clase10/Presentación.pptx
@@ -5,7 +5,7 @@
     <p:sldMasterId id="2147483672" r:id="rId1"/>
   </p:sldMasterIdLst>
   <p:notesMasterIdLst>
-    <p:notesMasterId r:id="rId21"/>
+    <p:notesMasterId r:id="rId28"/>
   </p:notesMasterIdLst>
   <p:sldIdLst>
     <p:sldId id="256" r:id="rId2"/>
@@ -27,6 +27,13 @@
     <p:sldId id="354" r:id="rId18"/>
     <p:sldId id="356" r:id="rId19"/>
     <p:sldId id="357" r:id="rId20"/>
+    <p:sldId id="359" r:id="rId21"/>
+    <p:sldId id="361" r:id="rId22"/>
+    <p:sldId id="362" r:id="rId23"/>
+    <p:sldId id="363" r:id="rId24"/>
+    <p:sldId id="364" r:id="rId25"/>
+    <p:sldId id="365" r:id="rId26"/>
+    <p:sldId id="360" r:id="rId27"/>
   </p:sldIdLst>
   <p:sldSz cx="12192000" cy="6858000"/>
   <p:notesSz cx="6858000" cy="9144000"/>
@@ -215,7 +222,7 @@
           <a:p>
             <a:fld id="{430AAACB-714D-4ED6-9BCD-E10DE1E326CF}" type="datetimeFigureOut">
               <a:rPr lang="es-CO" smtClean="0"/>
-              <a:t>1/10/2019</a:t>
+              <a:t>3/10/2019</a:t>
             </a:fld>
             <a:endParaRPr lang="es-CO"/>
           </a:p>
@@ -793,7 +800,7 @@
           <a:p>
             <a:fld id="{C214C790-AC43-4046-BAB7-879940BCF0AB}" type="datetimeFigureOut">
               <a:rPr lang="es-CO" smtClean="0"/>
-              <a:t>1/10/2019</a:t>
+              <a:t>3/10/2019</a:t>
             </a:fld>
             <a:endParaRPr lang="es-CO"/>
           </a:p>
@@ -1001,7 +1008,7 @@
           <a:p>
             <a:fld id="{C214C790-AC43-4046-BAB7-879940BCF0AB}" type="datetimeFigureOut">
               <a:rPr lang="es-CO" smtClean="0"/>
-              <a:t>1/10/2019</a:t>
+              <a:t>3/10/2019</a:t>
             </a:fld>
             <a:endParaRPr lang="es-CO"/>
           </a:p>
@@ -1257,7 +1264,7 @@
           <a:p>
             <a:fld id="{C214C790-AC43-4046-BAB7-879940BCF0AB}" type="datetimeFigureOut">
               <a:rPr lang="es-CO" smtClean="0"/>
-              <a:t>1/10/2019</a:t>
+              <a:t>3/10/2019</a:t>
             </a:fld>
             <a:endParaRPr lang="es-CO"/>
           </a:p>
@@ -1427,7 +1434,7 @@
           <a:p>
             <a:fld id="{C214C790-AC43-4046-BAB7-879940BCF0AB}" type="datetimeFigureOut">
               <a:rPr lang="es-CO" smtClean="0"/>
-              <a:t>1/10/2019</a:t>
+              <a:t>3/10/2019</a:t>
             </a:fld>
             <a:endParaRPr lang="es-CO"/>
           </a:p>
@@ -1770,7 +1777,7 @@
           <a:p>
             <a:fld id="{C214C790-AC43-4046-BAB7-879940BCF0AB}" type="datetimeFigureOut">
               <a:rPr lang="es-CO" smtClean="0"/>
-              <a:t>1/10/2019</a:t>
+              <a:t>3/10/2019</a:t>
             </a:fld>
             <a:endParaRPr lang="es-CO"/>
           </a:p>
@@ -2045,7 +2052,7 @@
           <a:p>
             <a:fld id="{C214C790-AC43-4046-BAB7-879940BCF0AB}" type="datetimeFigureOut">
               <a:rPr lang="es-CO" smtClean="0"/>
-              <a:t>1/10/2019</a:t>
+              <a:t>3/10/2019</a:t>
             </a:fld>
             <a:endParaRPr lang="es-CO"/>
           </a:p>
@@ -2424,7 +2431,7 @@
           <a:p>
             <a:fld id="{C214C790-AC43-4046-BAB7-879940BCF0AB}" type="datetimeFigureOut">
               <a:rPr lang="es-CO" smtClean="0"/>
-              <a:t>1/10/2019</a:t>
+              <a:t>3/10/2019</a:t>
             </a:fld>
             <a:endParaRPr lang="es-CO"/>
           </a:p>
@@ -2542,7 +2549,7 @@
           <a:p>
             <a:fld id="{C214C790-AC43-4046-BAB7-879940BCF0AB}" type="datetimeFigureOut">
               <a:rPr lang="es-CO" smtClean="0"/>
-              <a:t>1/10/2019</a:t>
+              <a:t>3/10/2019</a:t>
             </a:fld>
             <a:endParaRPr lang="es-CO"/>
           </a:p>
@@ -2713,7 +2720,7 @@
           <a:p>
             <a:fld id="{C214C790-AC43-4046-BAB7-879940BCF0AB}" type="datetimeFigureOut">
               <a:rPr lang="es-CO" smtClean="0"/>
-              <a:t>1/10/2019</a:t>
+              <a:t>3/10/2019</a:t>
             </a:fld>
             <a:endParaRPr lang="es-CO"/>
           </a:p>
@@ -3067,7 +3074,7 @@
           <a:p>
             <a:fld id="{C214C790-AC43-4046-BAB7-879940BCF0AB}" type="datetimeFigureOut">
               <a:rPr lang="es-CO" smtClean="0"/>
-              <a:t>1/10/2019</a:t>
+              <a:t>3/10/2019</a:t>
             </a:fld>
             <a:endParaRPr lang="es-CO"/>
           </a:p>
@@ -3444,7 +3451,7 @@
           <a:p>
             <a:fld id="{C214C790-AC43-4046-BAB7-879940BCF0AB}" type="datetimeFigureOut">
               <a:rPr lang="es-CO" smtClean="0"/>
-              <a:t>1/10/2019</a:t>
+              <a:t>3/10/2019</a:t>
             </a:fld>
             <a:endParaRPr lang="es-CO"/>
           </a:p>
@@ -3731,7 +3738,7 @@
           <a:p>
             <a:fld id="{C214C790-AC43-4046-BAB7-879940BCF0AB}" type="datetimeFigureOut">
               <a:rPr lang="es-CO" smtClean="0"/>
-              <a:t>1/10/2019</a:t>
+              <a:t>3/10/2019</a:t>
             </a:fld>
             <a:endParaRPr lang="es-CO"/>
           </a:p>
@@ -4861,7 +4868,7 @@
           <p:nvPr>
             <p:extLst>
               <p:ext uri="{D42A27DB-BD31-4B8C-83A1-F6EECF244321}">
-                <p14:modId xmlns:p14="http://schemas.microsoft.com/office/powerpoint/2010/main" val="2311743105"/>
+                <p14:modId xmlns:p14="http://schemas.microsoft.com/office/powerpoint/2010/main" val="4038179361"/>
               </p:ext>
             </p:extLst>
           </p:nvPr>
@@ -4970,7 +4977,11 @@
                     <a:p>
                       <a:r>
                         <a:rPr lang="es-ES" dirty="0" smtClean="0"/>
-                        <a:t>Juan David Paz</a:t>
+                        <a:t>Paola </a:t>
+                      </a:r>
+                      <a:r>
+                        <a:rPr lang="es-ES" dirty="0" err="1" smtClean="0"/>
+                        <a:t>Veloza</a:t>
                       </a:r>
                       <a:endParaRPr lang="es-CO" dirty="0"/>
                     </a:p>
@@ -5036,7 +5047,11 @@
                       </a:pPr>
                       <a:r>
                         <a:rPr lang="es-ES" dirty="0" smtClean="0"/>
-                        <a:t>Juan David Paz</a:t>
+                        <a:t>Paola </a:t>
+                      </a:r>
+                      <a:r>
+                        <a:rPr lang="es-ES" dirty="0" err="1" smtClean="0"/>
+                        <a:t>Veloza</a:t>
                       </a:r>
                       <a:endParaRPr lang="es-CO" dirty="0" smtClean="0"/>
                     </a:p>
@@ -5085,15 +5100,11 @@
                     <a:p>
                       <a:r>
                         <a:rPr lang="es-ES" dirty="0" smtClean="0"/>
-                        <a:t>Juan Camilo</a:t>
+                        <a:t>Daniel </a:t>
                       </a:r>
                       <a:r>
-                        <a:rPr lang="es-ES" baseline="0" dirty="0" smtClean="0"/>
-                        <a:t> </a:t>
-                      </a:r>
-                      <a:r>
-                        <a:rPr lang="es-ES" baseline="0" dirty="0" err="1" smtClean="0"/>
-                        <a:t>Velez</a:t>
+                        <a:rPr lang="es-ES" dirty="0" err="1" smtClean="0"/>
+                        <a:t>Cerquera</a:t>
                       </a:r>
                       <a:endParaRPr lang="es-CO" dirty="0"/>
                     </a:p>
@@ -5140,36 +5151,15 @@
                     <a:bodyPr/>
                     <a:lstStyle/>
                     <a:p>
-                      <a:pPr marL="0" marR="0" indent="0" algn="l" defTabSz="914400" rtl="0" eaLnBrk="1" fontAlgn="auto" latinLnBrk="0" hangingPunct="1">
-                        <a:lnSpc>
-                          <a:spcPct val="100000"/>
-                        </a:lnSpc>
-                        <a:spcBef>
-                          <a:spcPts val="0"/>
-                        </a:spcBef>
-                        <a:spcAft>
-                          <a:spcPts val="0"/>
-                        </a:spcAft>
-                        <a:buClrTx/>
-                        <a:buSzTx/>
-                        <a:buFontTx/>
-                        <a:buNone/>
-                        <a:tabLst/>
-                        <a:defRPr/>
-                      </a:pPr>
                       <a:r>
                         <a:rPr lang="es-ES" dirty="0" smtClean="0"/>
-                        <a:t>Juan Camilo</a:t>
+                        <a:t>Daniel </a:t>
                       </a:r>
                       <a:r>
-                        <a:rPr lang="es-ES" baseline="0" dirty="0" smtClean="0"/>
-                        <a:t> </a:t>
+                        <a:rPr lang="es-ES" dirty="0" err="1" smtClean="0"/>
+                        <a:t>Cerquera</a:t>
                       </a:r>
-                      <a:r>
-                        <a:rPr lang="es-ES" baseline="0" dirty="0" err="1" smtClean="0"/>
-                        <a:t>Velez</a:t>
-                      </a:r>
-                      <a:endParaRPr lang="es-CO" dirty="0" smtClean="0"/>
+                      <a:endParaRPr lang="es-CO" dirty="0"/>
                     </a:p>
                   </a:txBody>
                   <a:tcPr/>
@@ -5672,16 +5662,76 @@
           </a:graphicData>
         </a:graphic>
       </p:graphicFrame>
+      <p:sp>
+        <p:nvSpPr>
+          <p:cNvPr id="11" name="CuadroTexto 10"/>
+          <p:cNvSpPr txBox="1"/>
+          <p:nvPr/>
+        </p:nvSpPr>
+        <p:spPr>
+          <a:xfrm>
+            <a:off x="8101781" y="5869094"/>
+            <a:ext cx="1582993" cy="369332"/>
+          </a:xfrm>
+          <a:prstGeom prst="rect">
+            <a:avLst/>
+          </a:prstGeom>
+          <a:noFill/>
+        </p:spPr>
+        <p:txBody>
+          <a:bodyPr wrap="square" rtlCol="0">
+            <a:spAutoFit/>
+          </a:bodyPr>
+          <a:lstStyle/>
+          <a:p>
+            <a:r>
+              <a:rPr lang="es-ES" dirty="0" smtClean="0"/>
+              <a:t>estudiantes</a:t>
+            </a:r>
+            <a:endParaRPr lang="es-CO" dirty="0"/>
+          </a:p>
+        </p:txBody>
+      </p:sp>
+      <p:sp>
+        <p:nvSpPr>
+          <p:cNvPr id="12" name="CuadroTexto 11"/>
+          <p:cNvSpPr txBox="1"/>
+          <p:nvPr/>
+        </p:nvSpPr>
+        <p:spPr>
+          <a:xfrm>
+            <a:off x="2679290" y="5869094"/>
+            <a:ext cx="1582993" cy="369332"/>
+          </a:xfrm>
+          <a:prstGeom prst="rect">
+            <a:avLst/>
+          </a:prstGeom>
+          <a:noFill/>
+        </p:spPr>
+        <p:txBody>
+          <a:bodyPr wrap="square" rtlCol="0">
+            <a:spAutoFit/>
+          </a:bodyPr>
+          <a:lstStyle/>
+          <a:p>
+            <a:r>
+              <a:rPr lang="es-ES" dirty="0" smtClean="0"/>
+              <a:t>materias</a:t>
+            </a:r>
+            <a:endParaRPr lang="es-CO" dirty="0"/>
+          </a:p>
+        </p:txBody>
+      </p:sp>
       <p:graphicFrame>
         <p:nvGraphicFramePr>
-          <p:cNvPr id="5" name="Tabla 4"/>
+          <p:cNvPr id="8" name="Tabla 7"/>
           <p:cNvGraphicFramePr>
             <a:graphicFrameLocks noGrp="1"/>
           </p:cNvGraphicFramePr>
           <p:nvPr>
             <p:extLst>
               <p:ext uri="{D42A27DB-BD31-4B8C-83A1-F6EECF244321}">
-                <p14:modId xmlns:p14="http://schemas.microsoft.com/office/powerpoint/2010/main" val="2311743105"/>
+                <p14:modId xmlns:p14="http://schemas.microsoft.com/office/powerpoint/2010/main" val="1005340361"/>
               </p:ext>
             </p:extLst>
           </p:nvPr>
@@ -5790,7 +5840,11 @@
                     <a:p>
                       <a:r>
                         <a:rPr lang="es-ES" dirty="0" smtClean="0"/>
-                        <a:t>Juan David Paz</a:t>
+                        <a:t>Paola </a:t>
+                      </a:r>
+                      <a:r>
+                        <a:rPr lang="es-ES" dirty="0" err="1" smtClean="0"/>
+                        <a:t>Veloza</a:t>
                       </a:r>
                       <a:endParaRPr lang="es-CO" dirty="0"/>
                     </a:p>
@@ -5856,7 +5910,11 @@
                       </a:pPr>
                       <a:r>
                         <a:rPr lang="es-ES" dirty="0" smtClean="0"/>
-                        <a:t>Juan David Paz</a:t>
+                        <a:t>Paola </a:t>
+                      </a:r>
+                      <a:r>
+                        <a:rPr lang="es-ES" dirty="0" err="1" smtClean="0"/>
+                        <a:t>Veloza</a:t>
                       </a:r>
                       <a:endParaRPr lang="es-CO" dirty="0" smtClean="0"/>
                     </a:p>
@@ -5905,15 +5963,11 @@
                     <a:p>
                       <a:r>
                         <a:rPr lang="es-ES" dirty="0" smtClean="0"/>
-                        <a:t>Juan Camilo</a:t>
+                        <a:t>Daniel </a:t>
                       </a:r>
                       <a:r>
-                        <a:rPr lang="es-ES" baseline="0" dirty="0" smtClean="0"/>
-                        <a:t> </a:t>
-                      </a:r>
-                      <a:r>
-                        <a:rPr lang="es-ES" baseline="0" dirty="0" err="1" smtClean="0"/>
-                        <a:t>Velez</a:t>
+                        <a:rPr lang="es-ES" dirty="0" err="1" smtClean="0"/>
+                        <a:t>Cerquera</a:t>
                       </a:r>
                       <a:endParaRPr lang="es-CO" dirty="0"/>
                     </a:p>
@@ -5960,36 +6014,15 @@
                     <a:bodyPr/>
                     <a:lstStyle/>
                     <a:p>
-                      <a:pPr marL="0" marR="0" indent="0" algn="l" defTabSz="914400" rtl="0" eaLnBrk="1" fontAlgn="auto" latinLnBrk="0" hangingPunct="1">
-                        <a:lnSpc>
-                          <a:spcPct val="100000"/>
-                        </a:lnSpc>
-                        <a:spcBef>
-                          <a:spcPts val="0"/>
-                        </a:spcBef>
-                        <a:spcAft>
-                          <a:spcPts val="0"/>
-                        </a:spcAft>
-                        <a:buClrTx/>
-                        <a:buSzTx/>
-                        <a:buFontTx/>
-                        <a:buNone/>
-                        <a:tabLst/>
-                        <a:defRPr/>
-                      </a:pPr>
                       <a:r>
                         <a:rPr lang="es-ES" dirty="0" smtClean="0"/>
-                        <a:t>Juan Camilo</a:t>
+                        <a:t>Daniel </a:t>
                       </a:r>
                       <a:r>
-                        <a:rPr lang="es-ES" baseline="0" dirty="0" smtClean="0"/>
-                        <a:t> </a:t>
+                        <a:rPr lang="es-ES" dirty="0" err="1" smtClean="0"/>
+                        <a:t>Cerquera</a:t>
                       </a:r>
-                      <a:r>
-                        <a:rPr lang="es-ES" baseline="0" dirty="0" err="1" smtClean="0"/>
-                        <a:t>Velez</a:t>
-                      </a:r>
-                      <a:endParaRPr lang="es-CO" dirty="0" smtClean="0"/>
+                      <a:endParaRPr lang="es-CO" dirty="0"/>
                     </a:p>
                   </a:txBody>
                   <a:tcPr/>
@@ -6018,66 +6051,6 @@
           </a:graphicData>
         </a:graphic>
       </p:graphicFrame>
-      <p:sp>
-        <p:nvSpPr>
-          <p:cNvPr id="11" name="CuadroTexto 10"/>
-          <p:cNvSpPr txBox="1"/>
-          <p:nvPr/>
-        </p:nvSpPr>
-        <p:spPr>
-          <a:xfrm>
-            <a:off x="8101781" y="5869094"/>
-            <a:ext cx="1582993" cy="369332"/>
-          </a:xfrm>
-          <a:prstGeom prst="rect">
-            <a:avLst/>
-          </a:prstGeom>
-          <a:noFill/>
-        </p:spPr>
-        <p:txBody>
-          <a:bodyPr wrap="square" rtlCol="0">
-            <a:spAutoFit/>
-          </a:bodyPr>
-          <a:lstStyle/>
-          <a:p>
-            <a:r>
-              <a:rPr lang="es-ES" dirty="0" smtClean="0"/>
-              <a:t>estudiantes</a:t>
-            </a:r>
-            <a:endParaRPr lang="es-CO" dirty="0"/>
-          </a:p>
-        </p:txBody>
-      </p:sp>
-      <p:sp>
-        <p:nvSpPr>
-          <p:cNvPr id="12" name="CuadroTexto 11"/>
-          <p:cNvSpPr txBox="1"/>
-          <p:nvPr/>
-        </p:nvSpPr>
-        <p:spPr>
-          <a:xfrm>
-            <a:off x="2679290" y="5869094"/>
-            <a:ext cx="1582993" cy="369332"/>
-          </a:xfrm>
-          <a:prstGeom prst="rect">
-            <a:avLst/>
-          </a:prstGeom>
-          <a:noFill/>
-        </p:spPr>
-        <p:txBody>
-          <a:bodyPr wrap="square" rtlCol="0">
-            <a:spAutoFit/>
-          </a:bodyPr>
-          <a:lstStyle/>
-          <a:p>
-            <a:r>
-              <a:rPr lang="es-ES" dirty="0" smtClean="0"/>
-              <a:t>materias</a:t>
-            </a:r>
-            <a:endParaRPr lang="es-CO" dirty="0"/>
-          </a:p>
-        </p:txBody>
-      </p:sp>
     </p:spTree>
     <p:extLst>
       <p:ext uri="{BB962C8B-B14F-4D97-AF65-F5344CB8AC3E}">
@@ -6099,6 +6072,803 @@
 </file>
 
 <file path=ppt/slides/slide13.xml><?xml version="1.0" encoding="utf-8"?>
+<p:sld xmlns:a="http://schemas.openxmlformats.org/drawingml/2006/main" xmlns:r="http://schemas.openxmlformats.org/officeDocument/2006/relationships" xmlns:p="http://schemas.openxmlformats.org/presentationml/2006/main">
+  <p:cSld>
+    <p:spTree>
+      <p:nvGrpSpPr>
+        <p:cNvPr id="1" name=""/>
+        <p:cNvGrpSpPr/>
+        <p:nvPr/>
+      </p:nvGrpSpPr>
+      <p:grpSpPr>
+        <a:xfrm>
+          <a:off x="0" y="0"/>
+          <a:ext cx="0" cy="0"/>
+          <a:chOff x="0" y="0"/>
+          <a:chExt cx="0" cy="0"/>
+        </a:xfrm>
+      </p:grpSpPr>
+      <p:sp>
+        <p:nvSpPr>
+          <p:cNvPr id="2" name="Título 1"/>
+          <p:cNvSpPr>
+            <a:spLocks noGrp="1"/>
+          </p:cNvSpPr>
+          <p:nvPr>
+            <p:ph type="title"/>
+          </p:nvPr>
+        </p:nvSpPr>
+        <p:spPr>
+          <a:xfrm>
+            <a:off x="1097280" y="266938"/>
+            <a:ext cx="10058400" cy="1450757"/>
+          </a:xfrm>
+        </p:spPr>
+        <p:txBody>
+          <a:bodyPr/>
+          <a:lstStyle/>
+          <a:p>
+            <a:r>
+              <a:rPr lang="es-ES" dirty="0" smtClean="0"/>
+              <a:t>Relación muchos a muchos</a:t>
+            </a:r>
+            <a:endParaRPr lang="es-CO" dirty="0"/>
+          </a:p>
+        </p:txBody>
+      </p:sp>
+      <p:sp>
+        <p:nvSpPr>
+          <p:cNvPr id="3" name="Marcador de contenido 2"/>
+          <p:cNvSpPr>
+            <a:spLocks noGrp="1"/>
+          </p:cNvSpPr>
+          <p:nvPr>
+            <p:ph idx="1"/>
+          </p:nvPr>
+        </p:nvSpPr>
+        <p:spPr/>
+        <p:txBody>
+          <a:bodyPr/>
+          <a:lstStyle/>
+          <a:p>
+            <a:r>
+              <a:rPr lang="es-ES" dirty="0" smtClean="0"/>
+              <a:t>Sin embargo, observe que como el id de ambas tablas deben repetirse, no pueden ser campos de llave primaria. Adicionalmente, la integridad de las tablas sufre una redundancia que puede ser solucionada mediante una </a:t>
+            </a:r>
+            <a:r>
+              <a:rPr lang="es-ES" b="1" dirty="0" smtClean="0"/>
+              <a:t>tabla pivote</a:t>
+            </a:r>
+            <a:r>
+              <a:rPr lang="es-ES" dirty="0" smtClean="0"/>
+              <a:t>.</a:t>
+            </a:r>
+            <a:endParaRPr lang="es-CO" dirty="0"/>
+          </a:p>
+        </p:txBody>
+      </p:sp>
+      <p:graphicFrame>
+        <p:nvGraphicFramePr>
+          <p:cNvPr id="4" name="Tabla 3"/>
+          <p:cNvGraphicFramePr>
+            <a:graphicFrameLocks noGrp="1"/>
+          </p:cNvGraphicFramePr>
+          <p:nvPr>
+            <p:extLst>
+              <p:ext uri="{D42A27DB-BD31-4B8C-83A1-F6EECF244321}">
+                <p14:modId xmlns:p14="http://schemas.microsoft.com/office/powerpoint/2010/main" val="2540520779"/>
+              </p:ext>
+            </p:extLst>
+          </p:nvPr>
+        </p:nvGraphicFramePr>
+        <p:xfrm>
+          <a:off x="1172987" y="2770211"/>
+          <a:ext cx="3042101" cy="1112520"/>
+        </p:xfrm>
+        <a:graphic>
+          <a:graphicData uri="http://schemas.openxmlformats.org/drawingml/2006/table">
+            <a:tbl>
+              <a:tblPr firstRow="1" bandRow="1">
+                <a:tableStyleId>{5C22544A-7EE6-4342-B048-85BDC9FD1C3A}</a:tableStyleId>
+              </a:tblPr>
+              <a:tblGrid>
+                <a:gridCol w="656231">
+                  <a:extLst>
+                    <a:ext uri="{9D8B030D-6E8A-4147-A177-3AD203B41FA5}">
+                      <a16:colId xmlns:a16="http://schemas.microsoft.com/office/drawing/2014/main" val="174718774"/>
+                    </a:ext>
+                  </a:extLst>
+                </a:gridCol>
+                <a:gridCol w="2385870">
+                  <a:extLst>
+                    <a:ext uri="{9D8B030D-6E8A-4147-A177-3AD203B41FA5}">
+                      <a16:colId xmlns:a16="http://schemas.microsoft.com/office/drawing/2014/main" val="342705082"/>
+                    </a:ext>
+                  </a:extLst>
+                </a:gridCol>
+              </a:tblGrid>
+              <a:tr h="370840">
+                <a:tc>
+                  <a:txBody>
+                    <a:bodyPr/>
+                    <a:lstStyle/>
+                    <a:p>
+                      <a:r>
+                        <a:rPr lang="es-ES" dirty="0" smtClean="0"/>
+                        <a:t>id</a:t>
+                      </a:r>
+                      <a:endParaRPr lang="es-CO" dirty="0"/>
+                    </a:p>
+                  </a:txBody>
+                  <a:tcPr/>
+                </a:tc>
+                <a:tc>
+                  <a:txBody>
+                    <a:bodyPr/>
+                    <a:lstStyle/>
+                    <a:p>
+                      <a:r>
+                        <a:rPr lang="es-ES" dirty="0" smtClean="0"/>
+                        <a:t>Materia</a:t>
+                      </a:r>
+                      <a:endParaRPr lang="es-CO" dirty="0"/>
+                    </a:p>
+                  </a:txBody>
+                  <a:tcPr/>
+                </a:tc>
+                <a:extLst>
+                  <a:ext uri="{0D108BD9-81ED-4DB2-BD59-A6C34878D82A}">
+                    <a16:rowId xmlns:a16="http://schemas.microsoft.com/office/drawing/2014/main" val="1283584668"/>
+                  </a:ext>
+                </a:extLst>
+              </a:tr>
+              <a:tr h="370840">
+                <a:tc>
+                  <a:txBody>
+                    <a:bodyPr/>
+                    <a:lstStyle/>
+                    <a:p>
+                      <a:r>
+                        <a:rPr lang="es-ES" dirty="0" smtClean="0"/>
+                        <a:t>1</a:t>
+                      </a:r>
+                      <a:endParaRPr lang="es-CO" dirty="0"/>
+                    </a:p>
+                  </a:txBody>
+                  <a:tcPr/>
+                </a:tc>
+                <a:tc>
+                  <a:txBody>
+                    <a:bodyPr/>
+                    <a:lstStyle/>
+                    <a:p>
+                      <a:r>
+                        <a:rPr lang="es-ES" dirty="0" smtClean="0"/>
+                        <a:t>Señales</a:t>
+                      </a:r>
+                      <a:r>
+                        <a:rPr lang="es-ES" baseline="0" dirty="0" smtClean="0"/>
+                        <a:t> y sistemas</a:t>
+                      </a:r>
+                      <a:endParaRPr lang="es-CO" dirty="0"/>
+                    </a:p>
+                  </a:txBody>
+                  <a:tcPr/>
+                </a:tc>
+                <a:extLst>
+                  <a:ext uri="{0D108BD9-81ED-4DB2-BD59-A6C34878D82A}">
+                    <a16:rowId xmlns:a16="http://schemas.microsoft.com/office/drawing/2014/main" val="4103287375"/>
+                  </a:ext>
+                </a:extLst>
+              </a:tr>
+              <a:tr h="370840">
+                <a:tc>
+                  <a:txBody>
+                    <a:bodyPr/>
+                    <a:lstStyle/>
+                    <a:p>
+                      <a:r>
+                        <a:rPr lang="es-ES" dirty="0" smtClean="0"/>
+                        <a:t>2</a:t>
+                      </a:r>
+                      <a:endParaRPr lang="es-CO" dirty="0"/>
+                    </a:p>
+                  </a:txBody>
+                  <a:tcPr/>
+                </a:tc>
+                <a:tc>
+                  <a:txBody>
+                    <a:bodyPr/>
+                    <a:lstStyle/>
+                    <a:p>
+                      <a:r>
+                        <a:rPr lang="es-ES" dirty="0" smtClean="0"/>
+                        <a:t>Programación</a:t>
+                      </a:r>
+                      <a:r>
+                        <a:rPr lang="es-ES" baseline="0" dirty="0" smtClean="0"/>
+                        <a:t> en red</a:t>
+                      </a:r>
+                      <a:endParaRPr lang="es-CO" dirty="0"/>
+                    </a:p>
+                  </a:txBody>
+                  <a:tcPr/>
+                </a:tc>
+                <a:extLst>
+                  <a:ext uri="{0D108BD9-81ED-4DB2-BD59-A6C34878D82A}">
+                    <a16:rowId xmlns:a16="http://schemas.microsoft.com/office/drawing/2014/main" val="2268046355"/>
+                  </a:ext>
+                </a:extLst>
+              </a:tr>
+            </a:tbl>
+          </a:graphicData>
+        </a:graphic>
+      </p:graphicFrame>
+      <p:graphicFrame>
+        <p:nvGraphicFramePr>
+          <p:cNvPr id="5" name="Tabla 4"/>
+          <p:cNvGraphicFramePr>
+            <a:graphicFrameLocks noGrp="1"/>
+          </p:cNvGraphicFramePr>
+          <p:nvPr>
+            <p:extLst>
+              <p:ext uri="{D42A27DB-BD31-4B8C-83A1-F6EECF244321}">
+                <p14:modId xmlns:p14="http://schemas.microsoft.com/office/powerpoint/2010/main" val="4212533366"/>
+              </p:ext>
+            </p:extLst>
+          </p:nvPr>
+        </p:nvGraphicFramePr>
+        <p:xfrm>
+          <a:off x="8614205" y="2915349"/>
+          <a:ext cx="2497394" cy="1112520"/>
+        </p:xfrm>
+        <a:graphic>
+          <a:graphicData uri="http://schemas.openxmlformats.org/drawingml/2006/table">
+            <a:tbl>
+              <a:tblPr firstRow="1" bandRow="1">
+                <a:tableStyleId>{5C22544A-7EE6-4342-B048-85BDC9FD1C3A}</a:tableStyleId>
+              </a:tblPr>
+              <a:tblGrid>
+                <a:gridCol w="567810">
+                  <a:extLst>
+                    <a:ext uri="{9D8B030D-6E8A-4147-A177-3AD203B41FA5}">
+                      <a16:colId xmlns:a16="http://schemas.microsoft.com/office/drawing/2014/main" val="652498134"/>
+                    </a:ext>
+                  </a:extLst>
+                </a:gridCol>
+                <a:gridCol w="1929584">
+                  <a:extLst>
+                    <a:ext uri="{9D8B030D-6E8A-4147-A177-3AD203B41FA5}">
+                      <a16:colId xmlns:a16="http://schemas.microsoft.com/office/drawing/2014/main" val="758465890"/>
+                    </a:ext>
+                  </a:extLst>
+                </a:gridCol>
+              </a:tblGrid>
+              <a:tr h="370840">
+                <a:tc>
+                  <a:txBody>
+                    <a:bodyPr/>
+                    <a:lstStyle/>
+                    <a:p>
+                      <a:r>
+                        <a:rPr lang="es-ES" dirty="0" smtClean="0"/>
+                        <a:t>id</a:t>
+                      </a:r>
+                      <a:endParaRPr lang="es-CO" dirty="0"/>
+                    </a:p>
+                  </a:txBody>
+                  <a:tcPr/>
+                </a:tc>
+                <a:tc>
+                  <a:txBody>
+                    <a:bodyPr/>
+                    <a:lstStyle/>
+                    <a:p>
+                      <a:r>
+                        <a:rPr lang="es-ES" dirty="0" smtClean="0"/>
+                        <a:t>Nombre</a:t>
+                      </a:r>
+                      <a:endParaRPr lang="es-CO" dirty="0"/>
+                    </a:p>
+                  </a:txBody>
+                  <a:tcPr/>
+                </a:tc>
+                <a:extLst>
+                  <a:ext uri="{0D108BD9-81ED-4DB2-BD59-A6C34878D82A}">
+                    <a16:rowId xmlns:a16="http://schemas.microsoft.com/office/drawing/2014/main" val="697263222"/>
+                  </a:ext>
+                </a:extLst>
+              </a:tr>
+              <a:tr h="370840">
+                <a:tc>
+                  <a:txBody>
+                    <a:bodyPr/>
+                    <a:lstStyle/>
+                    <a:p>
+                      <a:r>
+                        <a:rPr lang="es-ES" dirty="0" smtClean="0"/>
+                        <a:t>1</a:t>
+                      </a:r>
+                      <a:endParaRPr lang="es-CO" dirty="0"/>
+                    </a:p>
+                  </a:txBody>
+                  <a:tcPr/>
+                </a:tc>
+                <a:tc>
+                  <a:txBody>
+                    <a:bodyPr/>
+                    <a:lstStyle/>
+                    <a:p>
+                      <a:r>
+                        <a:rPr lang="es-ES" dirty="0" smtClean="0"/>
+                        <a:t>Paola </a:t>
+                      </a:r>
+                      <a:r>
+                        <a:rPr lang="es-ES" dirty="0" err="1" smtClean="0"/>
+                        <a:t>Veloza</a:t>
+                      </a:r>
+                      <a:endParaRPr lang="es-CO" dirty="0"/>
+                    </a:p>
+                  </a:txBody>
+                  <a:tcPr/>
+                </a:tc>
+                <a:extLst>
+                  <a:ext uri="{0D108BD9-81ED-4DB2-BD59-A6C34878D82A}">
+                    <a16:rowId xmlns:a16="http://schemas.microsoft.com/office/drawing/2014/main" val="3763693931"/>
+                  </a:ext>
+                </a:extLst>
+              </a:tr>
+              <a:tr h="370840">
+                <a:tc>
+                  <a:txBody>
+                    <a:bodyPr/>
+                    <a:lstStyle/>
+                    <a:p>
+                      <a:r>
+                        <a:rPr lang="es-ES" dirty="0" smtClean="0"/>
+                        <a:t>2</a:t>
+                      </a:r>
+                      <a:endParaRPr lang="es-CO" dirty="0"/>
+                    </a:p>
+                  </a:txBody>
+                  <a:tcPr/>
+                </a:tc>
+                <a:tc>
+                  <a:txBody>
+                    <a:bodyPr/>
+                    <a:lstStyle/>
+                    <a:p>
+                      <a:r>
+                        <a:rPr lang="es-ES" dirty="0" smtClean="0"/>
+                        <a:t>Daniel </a:t>
+                      </a:r>
+                      <a:r>
+                        <a:rPr lang="es-ES" dirty="0" err="1" smtClean="0"/>
+                        <a:t>Cerquera</a:t>
+                      </a:r>
+                      <a:endParaRPr lang="es-CO" dirty="0"/>
+                    </a:p>
+                  </a:txBody>
+                  <a:tcPr/>
+                </a:tc>
+                <a:extLst>
+                  <a:ext uri="{0D108BD9-81ED-4DB2-BD59-A6C34878D82A}">
+                    <a16:rowId xmlns:a16="http://schemas.microsoft.com/office/drawing/2014/main" val="1869409084"/>
+                  </a:ext>
+                </a:extLst>
+              </a:tr>
+            </a:tbl>
+          </a:graphicData>
+        </a:graphic>
+      </p:graphicFrame>
+      <p:sp>
+        <p:nvSpPr>
+          <p:cNvPr id="11" name="CuadroTexto 10"/>
+          <p:cNvSpPr txBox="1"/>
+          <p:nvPr/>
+        </p:nvSpPr>
+        <p:spPr>
+          <a:xfrm>
+            <a:off x="9153835" y="4010770"/>
+            <a:ext cx="1582993" cy="369332"/>
+          </a:xfrm>
+          <a:prstGeom prst="rect">
+            <a:avLst/>
+          </a:prstGeom>
+          <a:noFill/>
+        </p:spPr>
+        <p:txBody>
+          <a:bodyPr wrap="square" rtlCol="0">
+            <a:spAutoFit/>
+          </a:bodyPr>
+          <a:lstStyle/>
+          <a:p>
+            <a:r>
+              <a:rPr lang="es-ES" dirty="0" smtClean="0"/>
+              <a:t>estudiantes</a:t>
+            </a:r>
+            <a:endParaRPr lang="es-CO" dirty="0"/>
+          </a:p>
+        </p:txBody>
+      </p:sp>
+      <p:sp>
+        <p:nvSpPr>
+          <p:cNvPr id="12" name="CuadroTexto 11"/>
+          <p:cNvSpPr txBox="1"/>
+          <p:nvPr/>
+        </p:nvSpPr>
+        <p:spPr>
+          <a:xfrm>
+            <a:off x="2113444" y="3882731"/>
+            <a:ext cx="1582993" cy="369332"/>
+          </a:xfrm>
+          <a:prstGeom prst="rect">
+            <a:avLst/>
+          </a:prstGeom>
+          <a:noFill/>
+        </p:spPr>
+        <p:txBody>
+          <a:bodyPr wrap="square" rtlCol="0">
+            <a:spAutoFit/>
+          </a:bodyPr>
+          <a:lstStyle/>
+          <a:p>
+            <a:r>
+              <a:rPr lang="es-ES" dirty="0" smtClean="0"/>
+              <a:t>materias</a:t>
+            </a:r>
+            <a:endParaRPr lang="es-CO" dirty="0"/>
+          </a:p>
+        </p:txBody>
+      </p:sp>
+      <p:graphicFrame>
+        <p:nvGraphicFramePr>
+          <p:cNvPr id="8" name="Tabla 7"/>
+          <p:cNvGraphicFramePr>
+            <a:graphicFrameLocks noGrp="1"/>
+          </p:cNvGraphicFramePr>
+          <p:nvPr>
+            <p:extLst>
+              <p:ext uri="{D42A27DB-BD31-4B8C-83A1-F6EECF244321}">
+                <p14:modId xmlns:p14="http://schemas.microsoft.com/office/powerpoint/2010/main" val="2466734325"/>
+              </p:ext>
+            </p:extLst>
+          </p:nvPr>
+        </p:nvGraphicFramePr>
+        <p:xfrm>
+          <a:off x="3852278" y="4109232"/>
+          <a:ext cx="4438281" cy="1854200"/>
+        </p:xfrm>
+        <a:graphic>
+          <a:graphicData uri="http://schemas.openxmlformats.org/drawingml/2006/table">
+            <a:tbl>
+              <a:tblPr firstRow="1" bandRow="1">
+                <a:tableStyleId>{5C22544A-7EE6-4342-B048-85BDC9FD1C3A}</a:tableStyleId>
+              </a:tblPr>
+              <a:tblGrid>
+                <a:gridCol w="656231">
+                  <a:extLst>
+                    <a:ext uri="{9D8B030D-6E8A-4147-A177-3AD203B41FA5}">
+                      <a16:colId xmlns:a16="http://schemas.microsoft.com/office/drawing/2014/main" val="174718774"/>
+                    </a:ext>
+                  </a:extLst>
+                </a:gridCol>
+                <a:gridCol w="2385870">
+                  <a:extLst>
+                    <a:ext uri="{9D8B030D-6E8A-4147-A177-3AD203B41FA5}">
+                      <a16:colId xmlns:a16="http://schemas.microsoft.com/office/drawing/2014/main" val="342705082"/>
+                    </a:ext>
+                  </a:extLst>
+                </a:gridCol>
+                <a:gridCol w="1396180">
+                  <a:extLst>
+                    <a:ext uri="{9D8B030D-6E8A-4147-A177-3AD203B41FA5}">
+                      <a16:colId xmlns:a16="http://schemas.microsoft.com/office/drawing/2014/main" val="2309028704"/>
+                    </a:ext>
+                  </a:extLst>
+                </a:gridCol>
+              </a:tblGrid>
+              <a:tr h="370840">
+                <a:tc>
+                  <a:txBody>
+                    <a:bodyPr/>
+                    <a:lstStyle/>
+                    <a:p>
+                      <a:r>
+                        <a:rPr lang="es-ES" dirty="0" smtClean="0"/>
+                        <a:t>id</a:t>
+                      </a:r>
+                      <a:endParaRPr lang="es-CO" dirty="0"/>
+                    </a:p>
+                  </a:txBody>
+                  <a:tcPr/>
+                </a:tc>
+                <a:tc>
+                  <a:txBody>
+                    <a:bodyPr/>
+                    <a:lstStyle/>
+                    <a:p>
+                      <a:r>
+                        <a:rPr lang="es-ES" dirty="0" err="1" smtClean="0"/>
+                        <a:t>estudianteId</a:t>
+                      </a:r>
+                      <a:endParaRPr lang="es-CO" dirty="0"/>
+                    </a:p>
+                  </a:txBody>
+                  <a:tcPr/>
+                </a:tc>
+                <a:tc>
+                  <a:txBody>
+                    <a:bodyPr/>
+                    <a:lstStyle/>
+                    <a:p>
+                      <a:r>
+                        <a:rPr lang="es-ES" dirty="0" err="1" smtClean="0"/>
+                        <a:t>materiaID</a:t>
+                      </a:r>
+                      <a:endParaRPr lang="es-CO" dirty="0"/>
+                    </a:p>
+                  </a:txBody>
+                  <a:tcPr/>
+                </a:tc>
+                <a:extLst>
+                  <a:ext uri="{0D108BD9-81ED-4DB2-BD59-A6C34878D82A}">
+                    <a16:rowId xmlns:a16="http://schemas.microsoft.com/office/drawing/2014/main" val="1283584668"/>
+                  </a:ext>
+                </a:extLst>
+              </a:tr>
+              <a:tr h="370840">
+                <a:tc>
+                  <a:txBody>
+                    <a:bodyPr/>
+                    <a:lstStyle/>
+                    <a:p>
+                      <a:r>
+                        <a:rPr lang="es-ES" dirty="0" smtClean="0"/>
+                        <a:t>1</a:t>
+                      </a:r>
+                      <a:endParaRPr lang="es-CO" dirty="0"/>
+                    </a:p>
+                  </a:txBody>
+                  <a:tcPr/>
+                </a:tc>
+                <a:tc>
+                  <a:txBody>
+                    <a:bodyPr/>
+                    <a:lstStyle/>
+                    <a:p>
+                      <a:r>
+                        <a:rPr lang="es-ES" dirty="0" smtClean="0"/>
+                        <a:t>1</a:t>
+                      </a:r>
+                      <a:endParaRPr lang="es-CO" dirty="0"/>
+                    </a:p>
+                  </a:txBody>
+                  <a:tcPr/>
+                </a:tc>
+                <a:tc>
+                  <a:txBody>
+                    <a:bodyPr/>
+                    <a:lstStyle/>
+                    <a:p>
+                      <a:r>
+                        <a:rPr lang="es-ES" dirty="0" smtClean="0"/>
+                        <a:t>1</a:t>
+                      </a:r>
+                      <a:endParaRPr lang="es-CO" dirty="0"/>
+                    </a:p>
+                  </a:txBody>
+                  <a:tcPr/>
+                </a:tc>
+                <a:extLst>
+                  <a:ext uri="{0D108BD9-81ED-4DB2-BD59-A6C34878D82A}">
+                    <a16:rowId xmlns:a16="http://schemas.microsoft.com/office/drawing/2014/main" val="4103287375"/>
+                  </a:ext>
+                </a:extLst>
+              </a:tr>
+              <a:tr h="370840">
+                <a:tc>
+                  <a:txBody>
+                    <a:bodyPr/>
+                    <a:lstStyle/>
+                    <a:p>
+                      <a:r>
+                        <a:rPr lang="es-ES" dirty="0" smtClean="0"/>
+                        <a:t>2</a:t>
+                      </a:r>
+                      <a:endParaRPr lang="es-CO" dirty="0"/>
+                    </a:p>
+                  </a:txBody>
+                  <a:tcPr/>
+                </a:tc>
+                <a:tc>
+                  <a:txBody>
+                    <a:bodyPr/>
+                    <a:lstStyle/>
+                    <a:p>
+                      <a:r>
+                        <a:rPr lang="es-ES" dirty="0" smtClean="0"/>
+                        <a:t>1</a:t>
+                      </a:r>
+                      <a:endParaRPr lang="es-CO" dirty="0"/>
+                    </a:p>
+                  </a:txBody>
+                  <a:tcPr/>
+                </a:tc>
+                <a:tc>
+                  <a:txBody>
+                    <a:bodyPr/>
+                    <a:lstStyle/>
+                    <a:p>
+                      <a:r>
+                        <a:rPr lang="es-ES" dirty="0" smtClean="0"/>
+                        <a:t>2</a:t>
+                      </a:r>
+                      <a:endParaRPr lang="es-CO" dirty="0"/>
+                    </a:p>
+                  </a:txBody>
+                  <a:tcPr/>
+                </a:tc>
+                <a:extLst>
+                  <a:ext uri="{0D108BD9-81ED-4DB2-BD59-A6C34878D82A}">
+                    <a16:rowId xmlns:a16="http://schemas.microsoft.com/office/drawing/2014/main" val="2268046355"/>
+                  </a:ext>
+                </a:extLst>
+              </a:tr>
+              <a:tr h="370840">
+                <a:tc>
+                  <a:txBody>
+                    <a:bodyPr/>
+                    <a:lstStyle/>
+                    <a:p>
+                      <a:r>
+                        <a:rPr lang="es-ES" dirty="0" smtClean="0"/>
+                        <a:t>3</a:t>
+                      </a:r>
+                      <a:endParaRPr lang="es-CO" dirty="0"/>
+                    </a:p>
+                  </a:txBody>
+                  <a:tcPr/>
+                </a:tc>
+                <a:tc>
+                  <a:txBody>
+                    <a:bodyPr/>
+                    <a:lstStyle/>
+                    <a:p>
+                      <a:r>
+                        <a:rPr lang="es-ES" dirty="0" smtClean="0"/>
+                        <a:t>2</a:t>
+                      </a:r>
+                      <a:endParaRPr lang="es-CO" dirty="0"/>
+                    </a:p>
+                  </a:txBody>
+                  <a:tcPr/>
+                </a:tc>
+                <a:tc>
+                  <a:txBody>
+                    <a:bodyPr/>
+                    <a:lstStyle/>
+                    <a:p>
+                      <a:r>
+                        <a:rPr lang="es-ES" dirty="0" smtClean="0"/>
+                        <a:t>1</a:t>
+                      </a:r>
+                      <a:endParaRPr lang="es-CO" dirty="0"/>
+                    </a:p>
+                  </a:txBody>
+                  <a:tcPr/>
+                </a:tc>
+                <a:extLst>
+                  <a:ext uri="{0D108BD9-81ED-4DB2-BD59-A6C34878D82A}">
+                    <a16:rowId xmlns:a16="http://schemas.microsoft.com/office/drawing/2014/main" val="3938730137"/>
+                  </a:ext>
+                </a:extLst>
+              </a:tr>
+              <a:tr h="370840">
+                <a:tc>
+                  <a:txBody>
+                    <a:bodyPr/>
+                    <a:lstStyle/>
+                    <a:p>
+                      <a:r>
+                        <a:rPr lang="es-ES" dirty="0" smtClean="0"/>
+                        <a:t>4</a:t>
+                      </a:r>
+                      <a:endParaRPr lang="es-CO" dirty="0"/>
+                    </a:p>
+                  </a:txBody>
+                  <a:tcPr/>
+                </a:tc>
+                <a:tc>
+                  <a:txBody>
+                    <a:bodyPr/>
+                    <a:lstStyle/>
+                    <a:p>
+                      <a:r>
+                        <a:rPr lang="es-ES" dirty="0" smtClean="0"/>
+                        <a:t>2</a:t>
+                      </a:r>
+                      <a:endParaRPr lang="es-CO" dirty="0"/>
+                    </a:p>
+                  </a:txBody>
+                  <a:tcPr/>
+                </a:tc>
+                <a:tc>
+                  <a:txBody>
+                    <a:bodyPr/>
+                    <a:lstStyle/>
+                    <a:p>
+                      <a:r>
+                        <a:rPr lang="es-ES" dirty="0" smtClean="0"/>
+                        <a:t>2</a:t>
+                      </a:r>
+                      <a:endParaRPr lang="es-CO" dirty="0"/>
+                    </a:p>
+                  </a:txBody>
+                  <a:tcPr/>
+                </a:tc>
+                <a:extLst>
+                  <a:ext uri="{0D108BD9-81ED-4DB2-BD59-A6C34878D82A}">
+                    <a16:rowId xmlns:a16="http://schemas.microsoft.com/office/drawing/2014/main" val="2949685718"/>
+                  </a:ext>
+                </a:extLst>
+              </a:tr>
+            </a:tbl>
+          </a:graphicData>
+        </a:graphic>
+      </p:graphicFrame>
+      <p:sp>
+        <p:nvSpPr>
+          <p:cNvPr id="9" name="CuadroTexto 8"/>
+          <p:cNvSpPr txBox="1"/>
+          <p:nvPr/>
+        </p:nvSpPr>
+        <p:spPr>
+          <a:xfrm>
+            <a:off x="4768643" y="5943223"/>
+            <a:ext cx="2605549" cy="369332"/>
+          </a:xfrm>
+          <a:prstGeom prst="rect">
+            <a:avLst/>
+          </a:prstGeom>
+          <a:noFill/>
+        </p:spPr>
+        <p:txBody>
+          <a:bodyPr wrap="square" rtlCol="0">
+            <a:spAutoFit/>
+          </a:bodyPr>
+          <a:lstStyle/>
+          <a:p>
+            <a:pPr algn="ctr"/>
+            <a:r>
+              <a:rPr lang="es-ES" dirty="0" err="1" smtClean="0"/>
+              <a:t>estudiante_tiene_mateias</a:t>
+            </a:r>
+            <a:endParaRPr lang="es-CO" dirty="0"/>
+          </a:p>
+        </p:txBody>
+      </p:sp>
+    </p:spTree>
+    <p:extLst>
+      <p:ext uri="{BB962C8B-B14F-4D97-AF65-F5344CB8AC3E}">
+        <p14:creationId xmlns:p14="http://schemas.microsoft.com/office/powerpoint/2010/main" val="545079060"/>
+      </p:ext>
+    </p:extLst>
+  </p:cSld>
+  <p:clrMapOvr>
+    <a:masterClrMapping/>
+  </p:clrMapOvr>
+  <p:timing>
+    <p:tnLst>
+      <p:par>
+        <p:cTn id="1" dur="indefinite" restart="never" nodeType="tmRoot"/>
+      </p:par>
+    </p:tnLst>
+  </p:timing>
+</p:sld>
+</file>
+
+<file path=ppt/slides/slide14.xml><?xml version="1.0" encoding="utf-8"?>
 <p:sld xmlns:a="http://schemas.openxmlformats.org/drawingml/2006/main" xmlns:r="http://schemas.openxmlformats.org/officeDocument/2006/relationships" xmlns:p="http://schemas.openxmlformats.org/presentationml/2006/main">
   <p:cSld>
     <p:spTree>
@@ -6875,803 +7645,6 @@
           </a:p>
         </p:txBody>
       </p:sp>
-    </p:spTree>
-    <p:extLst>
-      <p:ext uri="{BB962C8B-B14F-4D97-AF65-F5344CB8AC3E}">
-        <p14:creationId xmlns:p14="http://schemas.microsoft.com/office/powerpoint/2010/main" val="545079060"/>
-      </p:ext>
-    </p:extLst>
-  </p:cSld>
-  <p:clrMapOvr>
-    <a:masterClrMapping/>
-  </p:clrMapOvr>
-  <p:timing>
-    <p:tnLst>
-      <p:par>
-        <p:cTn id="1" dur="indefinite" restart="never" nodeType="tmRoot"/>
-      </p:par>
-    </p:tnLst>
-  </p:timing>
-</p:sld>
-</file>
-
-<file path=ppt/slides/slide14.xml><?xml version="1.0" encoding="utf-8"?>
-<p:sld xmlns:a="http://schemas.openxmlformats.org/drawingml/2006/main" xmlns:r="http://schemas.openxmlformats.org/officeDocument/2006/relationships" xmlns:p="http://schemas.openxmlformats.org/presentationml/2006/main">
-  <p:cSld>
-    <p:spTree>
-      <p:nvGrpSpPr>
-        <p:cNvPr id="1" name=""/>
-        <p:cNvGrpSpPr/>
-        <p:nvPr/>
-      </p:nvGrpSpPr>
-      <p:grpSpPr>
-        <a:xfrm>
-          <a:off x="0" y="0"/>
-          <a:ext cx="0" cy="0"/>
-          <a:chOff x="0" y="0"/>
-          <a:chExt cx="0" cy="0"/>
-        </a:xfrm>
-      </p:grpSpPr>
-      <p:sp>
-        <p:nvSpPr>
-          <p:cNvPr id="2" name="Título 1"/>
-          <p:cNvSpPr>
-            <a:spLocks noGrp="1"/>
-          </p:cNvSpPr>
-          <p:nvPr>
-            <p:ph type="title"/>
-          </p:nvPr>
-        </p:nvSpPr>
-        <p:spPr>
-          <a:xfrm>
-            <a:off x="1097280" y="266938"/>
-            <a:ext cx="10058400" cy="1450757"/>
-          </a:xfrm>
-        </p:spPr>
-        <p:txBody>
-          <a:bodyPr/>
-          <a:lstStyle/>
-          <a:p>
-            <a:r>
-              <a:rPr lang="es-ES" dirty="0" smtClean="0"/>
-              <a:t>Relación muchos a muchos</a:t>
-            </a:r>
-            <a:endParaRPr lang="es-CO" dirty="0"/>
-          </a:p>
-        </p:txBody>
-      </p:sp>
-      <p:sp>
-        <p:nvSpPr>
-          <p:cNvPr id="3" name="Marcador de contenido 2"/>
-          <p:cNvSpPr>
-            <a:spLocks noGrp="1"/>
-          </p:cNvSpPr>
-          <p:nvPr>
-            <p:ph idx="1"/>
-          </p:nvPr>
-        </p:nvSpPr>
-        <p:spPr/>
-        <p:txBody>
-          <a:bodyPr/>
-          <a:lstStyle/>
-          <a:p>
-            <a:r>
-              <a:rPr lang="es-ES" dirty="0" smtClean="0"/>
-              <a:t>Sin embargo, observe que como el id de ambas tablas deben repetirse, no pueden ser campos de llave primaria. Adicionalmente, la integridad de las tablas sufre una redundancia que puede ser solucionada mediante una </a:t>
-            </a:r>
-            <a:r>
-              <a:rPr lang="es-ES" b="1" dirty="0" smtClean="0"/>
-              <a:t>tabla pivote</a:t>
-            </a:r>
-            <a:r>
-              <a:rPr lang="es-ES" dirty="0" smtClean="0"/>
-              <a:t>.</a:t>
-            </a:r>
-            <a:endParaRPr lang="es-CO" dirty="0"/>
-          </a:p>
-        </p:txBody>
-      </p:sp>
-      <p:graphicFrame>
-        <p:nvGraphicFramePr>
-          <p:cNvPr id="4" name="Tabla 3"/>
-          <p:cNvGraphicFramePr>
-            <a:graphicFrameLocks noGrp="1"/>
-          </p:cNvGraphicFramePr>
-          <p:nvPr>
-            <p:extLst>
-              <p:ext uri="{D42A27DB-BD31-4B8C-83A1-F6EECF244321}">
-                <p14:modId xmlns:p14="http://schemas.microsoft.com/office/powerpoint/2010/main" val="2540520779"/>
-              </p:ext>
-            </p:extLst>
-          </p:nvPr>
-        </p:nvGraphicFramePr>
-        <p:xfrm>
-          <a:off x="1172987" y="2770211"/>
-          <a:ext cx="3042101" cy="1112520"/>
-        </p:xfrm>
-        <a:graphic>
-          <a:graphicData uri="http://schemas.openxmlformats.org/drawingml/2006/table">
-            <a:tbl>
-              <a:tblPr firstRow="1" bandRow="1">
-                <a:tableStyleId>{5C22544A-7EE6-4342-B048-85BDC9FD1C3A}</a:tableStyleId>
-              </a:tblPr>
-              <a:tblGrid>
-                <a:gridCol w="656231">
-                  <a:extLst>
-                    <a:ext uri="{9D8B030D-6E8A-4147-A177-3AD203B41FA5}">
-                      <a16:colId xmlns:a16="http://schemas.microsoft.com/office/drawing/2014/main" val="174718774"/>
-                    </a:ext>
-                  </a:extLst>
-                </a:gridCol>
-                <a:gridCol w="2385870">
-                  <a:extLst>
-                    <a:ext uri="{9D8B030D-6E8A-4147-A177-3AD203B41FA5}">
-                      <a16:colId xmlns:a16="http://schemas.microsoft.com/office/drawing/2014/main" val="342705082"/>
-                    </a:ext>
-                  </a:extLst>
-                </a:gridCol>
-              </a:tblGrid>
-              <a:tr h="370840">
-                <a:tc>
-                  <a:txBody>
-                    <a:bodyPr/>
-                    <a:lstStyle/>
-                    <a:p>
-                      <a:r>
-                        <a:rPr lang="es-ES" dirty="0" smtClean="0"/>
-                        <a:t>id</a:t>
-                      </a:r>
-                      <a:endParaRPr lang="es-CO" dirty="0"/>
-                    </a:p>
-                  </a:txBody>
-                  <a:tcPr/>
-                </a:tc>
-                <a:tc>
-                  <a:txBody>
-                    <a:bodyPr/>
-                    <a:lstStyle/>
-                    <a:p>
-                      <a:r>
-                        <a:rPr lang="es-ES" dirty="0" smtClean="0"/>
-                        <a:t>Materia</a:t>
-                      </a:r>
-                      <a:endParaRPr lang="es-CO" dirty="0"/>
-                    </a:p>
-                  </a:txBody>
-                  <a:tcPr/>
-                </a:tc>
-                <a:extLst>
-                  <a:ext uri="{0D108BD9-81ED-4DB2-BD59-A6C34878D82A}">
-                    <a16:rowId xmlns:a16="http://schemas.microsoft.com/office/drawing/2014/main" val="1283584668"/>
-                  </a:ext>
-                </a:extLst>
-              </a:tr>
-              <a:tr h="370840">
-                <a:tc>
-                  <a:txBody>
-                    <a:bodyPr/>
-                    <a:lstStyle/>
-                    <a:p>
-                      <a:r>
-                        <a:rPr lang="es-ES" dirty="0" smtClean="0"/>
-                        <a:t>1</a:t>
-                      </a:r>
-                      <a:endParaRPr lang="es-CO" dirty="0"/>
-                    </a:p>
-                  </a:txBody>
-                  <a:tcPr/>
-                </a:tc>
-                <a:tc>
-                  <a:txBody>
-                    <a:bodyPr/>
-                    <a:lstStyle/>
-                    <a:p>
-                      <a:r>
-                        <a:rPr lang="es-ES" dirty="0" smtClean="0"/>
-                        <a:t>Señales</a:t>
-                      </a:r>
-                      <a:r>
-                        <a:rPr lang="es-ES" baseline="0" dirty="0" smtClean="0"/>
-                        <a:t> y sistemas</a:t>
-                      </a:r>
-                      <a:endParaRPr lang="es-CO" dirty="0"/>
-                    </a:p>
-                  </a:txBody>
-                  <a:tcPr/>
-                </a:tc>
-                <a:extLst>
-                  <a:ext uri="{0D108BD9-81ED-4DB2-BD59-A6C34878D82A}">
-                    <a16:rowId xmlns:a16="http://schemas.microsoft.com/office/drawing/2014/main" val="4103287375"/>
-                  </a:ext>
-                </a:extLst>
-              </a:tr>
-              <a:tr h="370840">
-                <a:tc>
-                  <a:txBody>
-                    <a:bodyPr/>
-                    <a:lstStyle/>
-                    <a:p>
-                      <a:r>
-                        <a:rPr lang="es-ES" dirty="0" smtClean="0"/>
-                        <a:t>2</a:t>
-                      </a:r>
-                      <a:endParaRPr lang="es-CO" dirty="0"/>
-                    </a:p>
-                  </a:txBody>
-                  <a:tcPr/>
-                </a:tc>
-                <a:tc>
-                  <a:txBody>
-                    <a:bodyPr/>
-                    <a:lstStyle/>
-                    <a:p>
-                      <a:r>
-                        <a:rPr lang="es-ES" dirty="0" smtClean="0"/>
-                        <a:t>Programación</a:t>
-                      </a:r>
-                      <a:r>
-                        <a:rPr lang="es-ES" baseline="0" dirty="0" smtClean="0"/>
-                        <a:t> en red</a:t>
-                      </a:r>
-                      <a:endParaRPr lang="es-CO" dirty="0"/>
-                    </a:p>
-                  </a:txBody>
-                  <a:tcPr/>
-                </a:tc>
-                <a:extLst>
-                  <a:ext uri="{0D108BD9-81ED-4DB2-BD59-A6C34878D82A}">
-                    <a16:rowId xmlns:a16="http://schemas.microsoft.com/office/drawing/2014/main" val="2268046355"/>
-                  </a:ext>
-                </a:extLst>
-              </a:tr>
-            </a:tbl>
-          </a:graphicData>
-        </a:graphic>
-      </p:graphicFrame>
-      <p:graphicFrame>
-        <p:nvGraphicFramePr>
-          <p:cNvPr id="5" name="Tabla 4"/>
-          <p:cNvGraphicFramePr>
-            <a:graphicFrameLocks noGrp="1"/>
-          </p:cNvGraphicFramePr>
-          <p:nvPr>
-            <p:extLst>
-              <p:ext uri="{D42A27DB-BD31-4B8C-83A1-F6EECF244321}">
-                <p14:modId xmlns:p14="http://schemas.microsoft.com/office/powerpoint/2010/main" val="3367082042"/>
-              </p:ext>
-            </p:extLst>
-          </p:nvPr>
-        </p:nvGraphicFramePr>
-        <p:xfrm>
-          <a:off x="8614205" y="2915349"/>
-          <a:ext cx="2497394" cy="1112520"/>
-        </p:xfrm>
-        <a:graphic>
-          <a:graphicData uri="http://schemas.openxmlformats.org/drawingml/2006/table">
-            <a:tbl>
-              <a:tblPr firstRow="1" bandRow="1">
-                <a:tableStyleId>{5C22544A-7EE6-4342-B048-85BDC9FD1C3A}</a:tableStyleId>
-              </a:tblPr>
-              <a:tblGrid>
-                <a:gridCol w="567810">
-                  <a:extLst>
-                    <a:ext uri="{9D8B030D-6E8A-4147-A177-3AD203B41FA5}">
-                      <a16:colId xmlns:a16="http://schemas.microsoft.com/office/drawing/2014/main" val="652498134"/>
-                    </a:ext>
-                  </a:extLst>
-                </a:gridCol>
-                <a:gridCol w="1929584">
-                  <a:extLst>
-                    <a:ext uri="{9D8B030D-6E8A-4147-A177-3AD203B41FA5}">
-                      <a16:colId xmlns:a16="http://schemas.microsoft.com/office/drawing/2014/main" val="758465890"/>
-                    </a:ext>
-                  </a:extLst>
-                </a:gridCol>
-              </a:tblGrid>
-              <a:tr h="370840">
-                <a:tc>
-                  <a:txBody>
-                    <a:bodyPr/>
-                    <a:lstStyle/>
-                    <a:p>
-                      <a:r>
-                        <a:rPr lang="es-ES" dirty="0" smtClean="0"/>
-                        <a:t>id</a:t>
-                      </a:r>
-                      <a:endParaRPr lang="es-CO" dirty="0"/>
-                    </a:p>
-                  </a:txBody>
-                  <a:tcPr/>
-                </a:tc>
-                <a:tc>
-                  <a:txBody>
-                    <a:bodyPr/>
-                    <a:lstStyle/>
-                    <a:p>
-                      <a:r>
-                        <a:rPr lang="es-ES" dirty="0" smtClean="0"/>
-                        <a:t>Nombre</a:t>
-                      </a:r>
-                      <a:endParaRPr lang="es-CO" dirty="0"/>
-                    </a:p>
-                  </a:txBody>
-                  <a:tcPr/>
-                </a:tc>
-                <a:extLst>
-                  <a:ext uri="{0D108BD9-81ED-4DB2-BD59-A6C34878D82A}">
-                    <a16:rowId xmlns:a16="http://schemas.microsoft.com/office/drawing/2014/main" val="697263222"/>
-                  </a:ext>
-                </a:extLst>
-              </a:tr>
-              <a:tr h="370840">
-                <a:tc>
-                  <a:txBody>
-                    <a:bodyPr/>
-                    <a:lstStyle/>
-                    <a:p>
-                      <a:r>
-                        <a:rPr lang="es-ES" dirty="0" smtClean="0"/>
-                        <a:t>1</a:t>
-                      </a:r>
-                      <a:endParaRPr lang="es-CO" dirty="0"/>
-                    </a:p>
-                  </a:txBody>
-                  <a:tcPr/>
-                </a:tc>
-                <a:tc>
-                  <a:txBody>
-                    <a:bodyPr/>
-                    <a:lstStyle/>
-                    <a:p>
-                      <a:r>
-                        <a:rPr lang="es-ES" dirty="0" smtClean="0"/>
-                        <a:t>Juan David Paz</a:t>
-                      </a:r>
-                      <a:endParaRPr lang="es-CO" dirty="0"/>
-                    </a:p>
-                  </a:txBody>
-                  <a:tcPr/>
-                </a:tc>
-                <a:extLst>
-                  <a:ext uri="{0D108BD9-81ED-4DB2-BD59-A6C34878D82A}">
-                    <a16:rowId xmlns:a16="http://schemas.microsoft.com/office/drawing/2014/main" val="3763693931"/>
-                  </a:ext>
-                </a:extLst>
-              </a:tr>
-              <a:tr h="370840">
-                <a:tc>
-                  <a:txBody>
-                    <a:bodyPr/>
-                    <a:lstStyle/>
-                    <a:p>
-                      <a:r>
-                        <a:rPr lang="es-ES" dirty="0" smtClean="0"/>
-                        <a:t>2</a:t>
-                      </a:r>
-                      <a:endParaRPr lang="es-CO" dirty="0"/>
-                    </a:p>
-                  </a:txBody>
-                  <a:tcPr/>
-                </a:tc>
-                <a:tc>
-                  <a:txBody>
-                    <a:bodyPr/>
-                    <a:lstStyle/>
-                    <a:p>
-                      <a:r>
-                        <a:rPr lang="es-ES" dirty="0" smtClean="0"/>
-                        <a:t>Juan Camilo</a:t>
-                      </a:r>
-                      <a:r>
-                        <a:rPr lang="es-ES" baseline="0" dirty="0" smtClean="0"/>
-                        <a:t> </a:t>
-                      </a:r>
-                      <a:r>
-                        <a:rPr lang="es-ES" baseline="0" dirty="0" err="1" smtClean="0"/>
-                        <a:t>Velez</a:t>
-                      </a:r>
-                      <a:endParaRPr lang="es-CO" dirty="0"/>
-                    </a:p>
-                  </a:txBody>
-                  <a:tcPr/>
-                </a:tc>
-                <a:extLst>
-                  <a:ext uri="{0D108BD9-81ED-4DB2-BD59-A6C34878D82A}">
-                    <a16:rowId xmlns:a16="http://schemas.microsoft.com/office/drawing/2014/main" val="1869409084"/>
-                  </a:ext>
-                </a:extLst>
-              </a:tr>
-            </a:tbl>
-          </a:graphicData>
-        </a:graphic>
-      </p:graphicFrame>
-      <p:sp>
-        <p:nvSpPr>
-          <p:cNvPr id="11" name="CuadroTexto 10"/>
-          <p:cNvSpPr txBox="1"/>
-          <p:nvPr/>
-        </p:nvSpPr>
-        <p:spPr>
-          <a:xfrm>
-            <a:off x="9153835" y="4010770"/>
-            <a:ext cx="1582993" cy="369332"/>
-          </a:xfrm>
-          <a:prstGeom prst="rect">
-            <a:avLst/>
-          </a:prstGeom>
-          <a:noFill/>
-        </p:spPr>
-        <p:txBody>
-          <a:bodyPr wrap="square" rtlCol="0">
-            <a:spAutoFit/>
-          </a:bodyPr>
-          <a:lstStyle/>
-          <a:p>
-            <a:r>
-              <a:rPr lang="es-ES" dirty="0" smtClean="0"/>
-              <a:t>estudiantes</a:t>
-            </a:r>
-            <a:endParaRPr lang="es-CO" dirty="0"/>
-          </a:p>
-        </p:txBody>
-      </p:sp>
-      <p:sp>
-        <p:nvSpPr>
-          <p:cNvPr id="12" name="CuadroTexto 11"/>
-          <p:cNvSpPr txBox="1"/>
-          <p:nvPr/>
-        </p:nvSpPr>
-        <p:spPr>
-          <a:xfrm>
-            <a:off x="2113444" y="3882731"/>
-            <a:ext cx="1582993" cy="369332"/>
-          </a:xfrm>
-          <a:prstGeom prst="rect">
-            <a:avLst/>
-          </a:prstGeom>
-          <a:noFill/>
-        </p:spPr>
-        <p:txBody>
-          <a:bodyPr wrap="square" rtlCol="0">
-            <a:spAutoFit/>
-          </a:bodyPr>
-          <a:lstStyle/>
-          <a:p>
-            <a:r>
-              <a:rPr lang="es-ES" dirty="0" smtClean="0"/>
-              <a:t>materias</a:t>
-            </a:r>
-            <a:endParaRPr lang="es-CO" dirty="0"/>
-          </a:p>
-        </p:txBody>
-      </p:sp>
-      <p:graphicFrame>
-        <p:nvGraphicFramePr>
-          <p:cNvPr id="8" name="Tabla 7"/>
-          <p:cNvGraphicFramePr>
-            <a:graphicFrameLocks noGrp="1"/>
-          </p:cNvGraphicFramePr>
-          <p:nvPr>
-            <p:extLst>
-              <p:ext uri="{D42A27DB-BD31-4B8C-83A1-F6EECF244321}">
-                <p14:modId xmlns:p14="http://schemas.microsoft.com/office/powerpoint/2010/main" val="2466734325"/>
-              </p:ext>
-            </p:extLst>
-          </p:nvPr>
-        </p:nvGraphicFramePr>
-        <p:xfrm>
-          <a:off x="3852278" y="4109232"/>
-          <a:ext cx="4438281" cy="1854200"/>
-        </p:xfrm>
-        <a:graphic>
-          <a:graphicData uri="http://schemas.openxmlformats.org/drawingml/2006/table">
-            <a:tbl>
-              <a:tblPr firstRow="1" bandRow="1">
-                <a:tableStyleId>{5C22544A-7EE6-4342-B048-85BDC9FD1C3A}</a:tableStyleId>
-              </a:tblPr>
-              <a:tblGrid>
-                <a:gridCol w="656231">
-                  <a:extLst>
-                    <a:ext uri="{9D8B030D-6E8A-4147-A177-3AD203B41FA5}">
-                      <a16:colId xmlns:a16="http://schemas.microsoft.com/office/drawing/2014/main" val="174718774"/>
-                    </a:ext>
-                  </a:extLst>
-                </a:gridCol>
-                <a:gridCol w="2385870">
-                  <a:extLst>
-                    <a:ext uri="{9D8B030D-6E8A-4147-A177-3AD203B41FA5}">
-                      <a16:colId xmlns:a16="http://schemas.microsoft.com/office/drawing/2014/main" val="342705082"/>
-                    </a:ext>
-                  </a:extLst>
-                </a:gridCol>
-                <a:gridCol w="1396180">
-                  <a:extLst>
-                    <a:ext uri="{9D8B030D-6E8A-4147-A177-3AD203B41FA5}">
-                      <a16:colId xmlns:a16="http://schemas.microsoft.com/office/drawing/2014/main" val="2309028704"/>
-                    </a:ext>
-                  </a:extLst>
-                </a:gridCol>
-              </a:tblGrid>
-              <a:tr h="370840">
-                <a:tc>
-                  <a:txBody>
-                    <a:bodyPr/>
-                    <a:lstStyle/>
-                    <a:p>
-                      <a:r>
-                        <a:rPr lang="es-ES" dirty="0" smtClean="0"/>
-                        <a:t>id</a:t>
-                      </a:r>
-                      <a:endParaRPr lang="es-CO" dirty="0"/>
-                    </a:p>
-                  </a:txBody>
-                  <a:tcPr/>
-                </a:tc>
-                <a:tc>
-                  <a:txBody>
-                    <a:bodyPr/>
-                    <a:lstStyle/>
-                    <a:p>
-                      <a:r>
-                        <a:rPr lang="es-ES" dirty="0" err="1" smtClean="0"/>
-                        <a:t>estudianteId</a:t>
-                      </a:r>
-                      <a:endParaRPr lang="es-CO" dirty="0"/>
-                    </a:p>
-                  </a:txBody>
-                  <a:tcPr/>
-                </a:tc>
-                <a:tc>
-                  <a:txBody>
-                    <a:bodyPr/>
-                    <a:lstStyle/>
-                    <a:p>
-                      <a:r>
-                        <a:rPr lang="es-ES" dirty="0" err="1" smtClean="0"/>
-                        <a:t>materiaID</a:t>
-                      </a:r>
-                      <a:endParaRPr lang="es-CO" dirty="0"/>
-                    </a:p>
-                  </a:txBody>
-                  <a:tcPr/>
-                </a:tc>
-                <a:extLst>
-                  <a:ext uri="{0D108BD9-81ED-4DB2-BD59-A6C34878D82A}">
-                    <a16:rowId xmlns:a16="http://schemas.microsoft.com/office/drawing/2014/main" val="1283584668"/>
-                  </a:ext>
-                </a:extLst>
-              </a:tr>
-              <a:tr h="370840">
-                <a:tc>
-                  <a:txBody>
-                    <a:bodyPr/>
-                    <a:lstStyle/>
-                    <a:p>
-                      <a:r>
-                        <a:rPr lang="es-ES" dirty="0" smtClean="0"/>
-                        <a:t>1</a:t>
-                      </a:r>
-                      <a:endParaRPr lang="es-CO" dirty="0"/>
-                    </a:p>
-                  </a:txBody>
-                  <a:tcPr/>
-                </a:tc>
-                <a:tc>
-                  <a:txBody>
-                    <a:bodyPr/>
-                    <a:lstStyle/>
-                    <a:p>
-                      <a:r>
-                        <a:rPr lang="es-ES" dirty="0" smtClean="0"/>
-                        <a:t>1</a:t>
-                      </a:r>
-                      <a:endParaRPr lang="es-CO" dirty="0"/>
-                    </a:p>
-                  </a:txBody>
-                  <a:tcPr/>
-                </a:tc>
-                <a:tc>
-                  <a:txBody>
-                    <a:bodyPr/>
-                    <a:lstStyle/>
-                    <a:p>
-                      <a:r>
-                        <a:rPr lang="es-ES" dirty="0" smtClean="0"/>
-                        <a:t>1</a:t>
-                      </a:r>
-                      <a:endParaRPr lang="es-CO" dirty="0"/>
-                    </a:p>
-                  </a:txBody>
-                  <a:tcPr/>
-                </a:tc>
-                <a:extLst>
-                  <a:ext uri="{0D108BD9-81ED-4DB2-BD59-A6C34878D82A}">
-                    <a16:rowId xmlns:a16="http://schemas.microsoft.com/office/drawing/2014/main" val="4103287375"/>
-                  </a:ext>
-                </a:extLst>
-              </a:tr>
-              <a:tr h="370840">
-                <a:tc>
-                  <a:txBody>
-                    <a:bodyPr/>
-                    <a:lstStyle/>
-                    <a:p>
-                      <a:r>
-                        <a:rPr lang="es-ES" dirty="0" smtClean="0"/>
-                        <a:t>2</a:t>
-                      </a:r>
-                      <a:endParaRPr lang="es-CO" dirty="0"/>
-                    </a:p>
-                  </a:txBody>
-                  <a:tcPr/>
-                </a:tc>
-                <a:tc>
-                  <a:txBody>
-                    <a:bodyPr/>
-                    <a:lstStyle/>
-                    <a:p>
-                      <a:r>
-                        <a:rPr lang="es-ES" dirty="0" smtClean="0"/>
-                        <a:t>1</a:t>
-                      </a:r>
-                      <a:endParaRPr lang="es-CO" dirty="0"/>
-                    </a:p>
-                  </a:txBody>
-                  <a:tcPr/>
-                </a:tc>
-                <a:tc>
-                  <a:txBody>
-                    <a:bodyPr/>
-                    <a:lstStyle/>
-                    <a:p>
-                      <a:r>
-                        <a:rPr lang="es-ES" dirty="0" smtClean="0"/>
-                        <a:t>2</a:t>
-                      </a:r>
-                      <a:endParaRPr lang="es-CO" dirty="0"/>
-                    </a:p>
-                  </a:txBody>
-                  <a:tcPr/>
-                </a:tc>
-                <a:extLst>
-                  <a:ext uri="{0D108BD9-81ED-4DB2-BD59-A6C34878D82A}">
-                    <a16:rowId xmlns:a16="http://schemas.microsoft.com/office/drawing/2014/main" val="2268046355"/>
-                  </a:ext>
-                </a:extLst>
-              </a:tr>
-              <a:tr h="370840">
-                <a:tc>
-                  <a:txBody>
-                    <a:bodyPr/>
-                    <a:lstStyle/>
-                    <a:p>
-                      <a:r>
-                        <a:rPr lang="es-ES" dirty="0" smtClean="0"/>
-                        <a:t>3</a:t>
-                      </a:r>
-                      <a:endParaRPr lang="es-CO" dirty="0"/>
-                    </a:p>
-                  </a:txBody>
-                  <a:tcPr/>
-                </a:tc>
-                <a:tc>
-                  <a:txBody>
-                    <a:bodyPr/>
-                    <a:lstStyle/>
-                    <a:p>
-                      <a:r>
-                        <a:rPr lang="es-ES" dirty="0" smtClean="0"/>
-                        <a:t>2</a:t>
-                      </a:r>
-                      <a:endParaRPr lang="es-CO" dirty="0"/>
-                    </a:p>
-                  </a:txBody>
-                  <a:tcPr/>
-                </a:tc>
-                <a:tc>
-                  <a:txBody>
-                    <a:bodyPr/>
-                    <a:lstStyle/>
-                    <a:p>
-                      <a:r>
-                        <a:rPr lang="es-ES" dirty="0" smtClean="0"/>
-                        <a:t>1</a:t>
-                      </a:r>
-                      <a:endParaRPr lang="es-CO" dirty="0"/>
-                    </a:p>
-                  </a:txBody>
-                  <a:tcPr/>
-                </a:tc>
-                <a:extLst>
-                  <a:ext uri="{0D108BD9-81ED-4DB2-BD59-A6C34878D82A}">
-                    <a16:rowId xmlns:a16="http://schemas.microsoft.com/office/drawing/2014/main" val="3938730137"/>
-                  </a:ext>
-                </a:extLst>
-              </a:tr>
-              <a:tr h="370840">
-                <a:tc>
-                  <a:txBody>
-                    <a:bodyPr/>
-                    <a:lstStyle/>
-                    <a:p>
-                      <a:r>
-                        <a:rPr lang="es-ES" dirty="0" smtClean="0"/>
-                        <a:t>4</a:t>
-                      </a:r>
-                      <a:endParaRPr lang="es-CO" dirty="0"/>
-                    </a:p>
-                  </a:txBody>
-                  <a:tcPr/>
-                </a:tc>
-                <a:tc>
-                  <a:txBody>
-                    <a:bodyPr/>
-                    <a:lstStyle/>
-                    <a:p>
-                      <a:r>
-                        <a:rPr lang="es-ES" dirty="0" smtClean="0"/>
-                        <a:t>2</a:t>
-                      </a:r>
-                      <a:endParaRPr lang="es-CO" dirty="0"/>
-                    </a:p>
-                  </a:txBody>
-                  <a:tcPr/>
-                </a:tc>
-                <a:tc>
-                  <a:txBody>
-                    <a:bodyPr/>
-                    <a:lstStyle/>
-                    <a:p>
-                      <a:r>
-                        <a:rPr lang="es-ES" dirty="0" smtClean="0"/>
-                        <a:t>2</a:t>
-                      </a:r>
-                      <a:endParaRPr lang="es-CO" dirty="0"/>
-                    </a:p>
-                  </a:txBody>
-                  <a:tcPr/>
-                </a:tc>
-                <a:extLst>
-                  <a:ext uri="{0D108BD9-81ED-4DB2-BD59-A6C34878D82A}">
-                    <a16:rowId xmlns:a16="http://schemas.microsoft.com/office/drawing/2014/main" val="2949685718"/>
-                  </a:ext>
-                </a:extLst>
-              </a:tr>
-            </a:tbl>
-          </a:graphicData>
-        </a:graphic>
-      </p:graphicFrame>
-      <p:sp>
-        <p:nvSpPr>
-          <p:cNvPr id="9" name="CuadroTexto 8"/>
-          <p:cNvSpPr txBox="1"/>
-          <p:nvPr/>
-        </p:nvSpPr>
-        <p:spPr>
-          <a:xfrm>
-            <a:off x="4768643" y="5943223"/>
-            <a:ext cx="2605549" cy="369332"/>
-          </a:xfrm>
-          <a:prstGeom prst="rect">
-            <a:avLst/>
-          </a:prstGeom>
-          <a:noFill/>
-        </p:spPr>
-        <p:txBody>
-          <a:bodyPr wrap="square" rtlCol="0">
-            <a:spAutoFit/>
-          </a:bodyPr>
-          <a:lstStyle/>
-          <a:p>
-            <a:pPr algn="ctr"/>
-            <a:r>
-              <a:rPr lang="es-ES" dirty="0" err="1" smtClean="0"/>
-              <a:t>estudiante_tiene_mateias</a:t>
-            </a:r>
-            <a:endParaRPr lang="es-CO" dirty="0"/>
-          </a:p>
-        </p:txBody>
-      </p:sp>
       <p:sp>
         <p:nvSpPr>
           <p:cNvPr id="10" name="Elipse 9"/>
@@ -10103,6 +10076,2323 @@
       </p:par>
     </p:tnLst>
   </p:timing>
+</p:sld>
+</file>
+
+<file path=ppt/slides/slide20.xml><?xml version="1.0" encoding="utf-8"?>
+<p:sld xmlns:a="http://schemas.openxmlformats.org/drawingml/2006/main" xmlns:r="http://schemas.openxmlformats.org/officeDocument/2006/relationships" xmlns:p="http://schemas.openxmlformats.org/presentationml/2006/main">
+  <p:cSld>
+    <p:spTree>
+      <p:nvGrpSpPr>
+        <p:cNvPr id="1" name=""/>
+        <p:cNvGrpSpPr/>
+        <p:nvPr/>
+      </p:nvGrpSpPr>
+      <p:grpSpPr>
+        <a:xfrm>
+          <a:off x="0" y="0"/>
+          <a:ext cx="0" cy="0"/>
+          <a:chOff x="0" y="0"/>
+          <a:chExt cx="0" cy="0"/>
+        </a:xfrm>
+      </p:grpSpPr>
+      <p:sp>
+        <p:nvSpPr>
+          <p:cNvPr id="6" name="Rectángulo 5"/>
+          <p:cNvSpPr/>
+          <p:nvPr/>
+        </p:nvSpPr>
+        <p:spPr>
+          <a:xfrm>
+            <a:off x="5810865" y="58993"/>
+            <a:ext cx="5948517" cy="6145161"/>
+          </a:xfrm>
+          <a:prstGeom prst="rect">
+            <a:avLst/>
+          </a:prstGeom>
+          <a:solidFill>
+            <a:schemeClr val="bg1"/>
+          </a:solidFill>
+          <a:ln>
+            <a:noFill/>
+          </a:ln>
+        </p:spPr>
+        <p:style>
+          <a:lnRef idx="2">
+            <a:schemeClr val="accent1">
+              <a:shade val="50000"/>
+            </a:schemeClr>
+          </a:lnRef>
+          <a:fillRef idx="1">
+            <a:schemeClr val="accent1"/>
+          </a:fillRef>
+          <a:effectRef idx="0">
+            <a:schemeClr val="accent1"/>
+          </a:effectRef>
+          <a:fontRef idx="minor">
+            <a:schemeClr val="lt1"/>
+          </a:fontRef>
+        </p:style>
+        <p:txBody>
+          <a:bodyPr rtlCol="0" anchor="ctr"/>
+          <a:lstStyle/>
+          <a:p>
+            <a:pPr algn="ctr"/>
+            <a:endParaRPr lang="es-CO"/>
+          </a:p>
+        </p:txBody>
+      </p:sp>
+      <p:sp>
+        <p:nvSpPr>
+          <p:cNvPr id="2" name="Título 1"/>
+          <p:cNvSpPr>
+            <a:spLocks noGrp="1"/>
+          </p:cNvSpPr>
+          <p:nvPr>
+            <p:ph type="title"/>
+          </p:nvPr>
+        </p:nvSpPr>
+        <p:spPr/>
+        <p:txBody>
+          <a:bodyPr/>
+          <a:lstStyle/>
+          <a:p>
+            <a:r>
+              <a:rPr lang="es-ES" dirty="0" smtClean="0"/>
+              <a:t>TALLER DB</a:t>
+            </a:r>
+            <a:endParaRPr lang="es-CO" dirty="0"/>
+          </a:p>
+        </p:txBody>
+      </p:sp>
+      <p:sp>
+        <p:nvSpPr>
+          <p:cNvPr id="4" name="CuadroTexto 3"/>
+          <p:cNvSpPr txBox="1"/>
+          <p:nvPr/>
+        </p:nvSpPr>
+        <p:spPr>
+          <a:xfrm>
+            <a:off x="1097280" y="1950909"/>
+            <a:ext cx="4798142" cy="1200329"/>
+          </a:xfrm>
+          <a:prstGeom prst="rect">
+            <a:avLst/>
+          </a:prstGeom>
+          <a:noFill/>
+        </p:spPr>
+        <p:txBody>
+          <a:bodyPr wrap="square" rtlCol="0">
+            <a:spAutoFit/>
+          </a:bodyPr>
+          <a:lstStyle/>
+          <a:p>
+            <a:r>
+              <a:rPr lang="es-ES" dirty="0" smtClean="0"/>
+              <a:t>Use la conexión SQL en conjunto con la base de datos de películas y actores, para hacer un programa con arquitectura MVC que le permita gestionar la base de datos</a:t>
+            </a:r>
+            <a:endParaRPr lang="es-CO" dirty="0"/>
+          </a:p>
+        </p:txBody>
+      </p:sp>
+      <p:pic>
+        <p:nvPicPr>
+          <p:cNvPr id="5" name="Imagen 4"/>
+          <p:cNvPicPr>
+            <a:picLocks noChangeAspect="1"/>
+          </p:cNvPicPr>
+          <p:nvPr/>
+        </p:nvPicPr>
+        <p:blipFill>
+          <a:blip r:embed="rId2"/>
+          <a:stretch>
+            <a:fillRect/>
+          </a:stretch>
+        </p:blipFill>
+        <p:spPr>
+          <a:xfrm>
+            <a:off x="7731260" y="626480"/>
+            <a:ext cx="3726271" cy="5345379"/>
+          </a:xfrm>
+          <a:prstGeom prst="rect">
+            <a:avLst/>
+          </a:prstGeom>
+        </p:spPr>
+      </p:pic>
+    </p:spTree>
+    <p:extLst>
+      <p:ext uri="{BB962C8B-B14F-4D97-AF65-F5344CB8AC3E}">
+        <p14:creationId xmlns:p14="http://schemas.microsoft.com/office/powerpoint/2010/main" val="4109103196"/>
+      </p:ext>
+    </p:extLst>
+  </p:cSld>
+  <p:clrMapOvr>
+    <a:masterClrMapping/>
+  </p:clrMapOvr>
+</p:sld>
+</file>
+
+<file path=ppt/slides/slide21.xml><?xml version="1.0" encoding="utf-8"?>
+<p:sld xmlns:a="http://schemas.openxmlformats.org/drawingml/2006/main" xmlns:r="http://schemas.openxmlformats.org/officeDocument/2006/relationships" xmlns:p="http://schemas.openxmlformats.org/presentationml/2006/main">
+  <p:cSld>
+    <p:spTree>
+      <p:nvGrpSpPr>
+        <p:cNvPr id="1" name=""/>
+        <p:cNvGrpSpPr/>
+        <p:nvPr/>
+      </p:nvGrpSpPr>
+      <p:grpSpPr>
+        <a:xfrm>
+          <a:off x="0" y="0"/>
+          <a:ext cx="0" cy="0"/>
+          <a:chOff x="0" y="0"/>
+          <a:chExt cx="0" cy="0"/>
+        </a:xfrm>
+      </p:grpSpPr>
+      <p:sp>
+        <p:nvSpPr>
+          <p:cNvPr id="6" name="Rectángulo 5"/>
+          <p:cNvSpPr/>
+          <p:nvPr/>
+        </p:nvSpPr>
+        <p:spPr>
+          <a:xfrm>
+            <a:off x="5810865" y="58993"/>
+            <a:ext cx="5948517" cy="6145161"/>
+          </a:xfrm>
+          <a:prstGeom prst="rect">
+            <a:avLst/>
+          </a:prstGeom>
+          <a:solidFill>
+            <a:schemeClr val="bg1"/>
+          </a:solidFill>
+          <a:ln>
+            <a:noFill/>
+          </a:ln>
+        </p:spPr>
+        <p:style>
+          <a:lnRef idx="2">
+            <a:schemeClr val="accent1">
+              <a:shade val="50000"/>
+            </a:schemeClr>
+          </a:lnRef>
+          <a:fillRef idx="1">
+            <a:schemeClr val="accent1"/>
+          </a:fillRef>
+          <a:effectRef idx="0">
+            <a:schemeClr val="accent1"/>
+          </a:effectRef>
+          <a:fontRef idx="minor">
+            <a:schemeClr val="lt1"/>
+          </a:fontRef>
+        </p:style>
+        <p:txBody>
+          <a:bodyPr rtlCol="0" anchor="ctr"/>
+          <a:lstStyle/>
+          <a:p>
+            <a:pPr algn="ctr"/>
+            <a:endParaRPr lang="es-CO"/>
+          </a:p>
+        </p:txBody>
+      </p:sp>
+      <p:sp>
+        <p:nvSpPr>
+          <p:cNvPr id="2" name="Título 1"/>
+          <p:cNvSpPr>
+            <a:spLocks noGrp="1"/>
+          </p:cNvSpPr>
+          <p:nvPr>
+            <p:ph type="title"/>
+          </p:nvPr>
+        </p:nvSpPr>
+        <p:spPr/>
+        <p:txBody>
+          <a:bodyPr/>
+          <a:lstStyle/>
+          <a:p>
+            <a:r>
+              <a:rPr lang="es-ES" dirty="0" smtClean="0"/>
+              <a:t>TALLER DB</a:t>
+            </a:r>
+            <a:endParaRPr lang="es-CO" dirty="0"/>
+          </a:p>
+        </p:txBody>
+      </p:sp>
+      <p:sp>
+        <p:nvSpPr>
+          <p:cNvPr id="4" name="CuadroTexto 3"/>
+          <p:cNvSpPr txBox="1"/>
+          <p:nvPr/>
+        </p:nvSpPr>
+        <p:spPr>
+          <a:xfrm>
+            <a:off x="1097280" y="1950909"/>
+            <a:ext cx="4798142" cy="1200329"/>
+          </a:xfrm>
+          <a:prstGeom prst="rect">
+            <a:avLst/>
+          </a:prstGeom>
+          <a:noFill/>
+        </p:spPr>
+        <p:txBody>
+          <a:bodyPr wrap="square" rtlCol="0">
+            <a:spAutoFit/>
+          </a:bodyPr>
+          <a:lstStyle/>
+          <a:p>
+            <a:r>
+              <a:rPr lang="es-ES" dirty="0" smtClean="0"/>
+              <a:t>Use la conexión SQL en conjunto con la base de datos de películas y actores, para hacer un programa con arquitectura MVC que le permita gestionar la base de datos</a:t>
+            </a:r>
+            <a:endParaRPr lang="es-CO" dirty="0"/>
+          </a:p>
+        </p:txBody>
+      </p:sp>
+      <p:pic>
+        <p:nvPicPr>
+          <p:cNvPr id="5" name="Imagen 4"/>
+          <p:cNvPicPr>
+            <a:picLocks noChangeAspect="1"/>
+          </p:cNvPicPr>
+          <p:nvPr/>
+        </p:nvPicPr>
+        <p:blipFill>
+          <a:blip r:embed="rId2"/>
+          <a:stretch>
+            <a:fillRect/>
+          </a:stretch>
+        </p:blipFill>
+        <p:spPr>
+          <a:xfrm>
+            <a:off x="7731260" y="626480"/>
+            <a:ext cx="3726271" cy="5345379"/>
+          </a:xfrm>
+          <a:prstGeom prst="rect">
+            <a:avLst/>
+          </a:prstGeom>
+        </p:spPr>
+      </p:pic>
+      <p:sp>
+        <p:nvSpPr>
+          <p:cNvPr id="7" name="CuadroTexto 6"/>
+          <p:cNvSpPr txBox="1"/>
+          <p:nvPr/>
+        </p:nvSpPr>
+        <p:spPr>
+          <a:xfrm>
+            <a:off x="1097280" y="3971438"/>
+            <a:ext cx="4798142" cy="646331"/>
+          </a:xfrm>
+          <a:prstGeom prst="rect">
+            <a:avLst/>
+          </a:prstGeom>
+          <a:noFill/>
+        </p:spPr>
+        <p:txBody>
+          <a:bodyPr wrap="square" rtlCol="0">
+            <a:spAutoFit/>
+          </a:bodyPr>
+          <a:lstStyle/>
+          <a:p>
+            <a:r>
+              <a:rPr lang="es-ES" dirty="0" smtClean="0"/>
+              <a:t>La interfaz debe permitir insertar títulos de películas. Puede hacerlo con una ventana auxiliar</a:t>
+            </a:r>
+            <a:endParaRPr lang="es-CO" dirty="0"/>
+          </a:p>
+        </p:txBody>
+      </p:sp>
+      <p:cxnSp>
+        <p:nvCxnSpPr>
+          <p:cNvPr id="8" name="Conector angular 7"/>
+          <p:cNvCxnSpPr>
+            <a:stCxn id="7" idx="3"/>
+            <a:endCxn id="9" idx="1"/>
+          </p:cNvCxnSpPr>
+          <p:nvPr/>
+        </p:nvCxnSpPr>
+        <p:spPr>
+          <a:xfrm flipV="1">
+            <a:off x="5895422" y="1075739"/>
+            <a:ext cx="1908625" cy="3218865"/>
+          </a:xfrm>
+          <a:prstGeom prst="bentConnector3">
+            <a:avLst>
+              <a:gd name="adj1" fmla="val 50000"/>
+            </a:avLst>
+          </a:prstGeom>
+        </p:spPr>
+        <p:style>
+          <a:lnRef idx="1">
+            <a:schemeClr val="accent1"/>
+          </a:lnRef>
+          <a:fillRef idx="0">
+            <a:schemeClr val="accent1"/>
+          </a:fillRef>
+          <a:effectRef idx="0">
+            <a:schemeClr val="accent1"/>
+          </a:effectRef>
+          <a:fontRef idx="minor">
+            <a:schemeClr val="tx1"/>
+          </a:fontRef>
+        </p:style>
+      </p:cxnSp>
+      <p:sp>
+        <p:nvSpPr>
+          <p:cNvPr id="9" name="Rectángulo 8"/>
+          <p:cNvSpPr/>
+          <p:nvPr/>
+        </p:nvSpPr>
+        <p:spPr>
+          <a:xfrm>
+            <a:off x="7804047" y="1039527"/>
+            <a:ext cx="72424" cy="72424"/>
+          </a:xfrm>
+          <a:prstGeom prst="rect">
+            <a:avLst/>
+          </a:prstGeom>
+        </p:spPr>
+        <p:style>
+          <a:lnRef idx="2">
+            <a:schemeClr val="accent1">
+              <a:shade val="50000"/>
+            </a:schemeClr>
+          </a:lnRef>
+          <a:fillRef idx="1">
+            <a:schemeClr val="accent1"/>
+          </a:fillRef>
+          <a:effectRef idx="0">
+            <a:schemeClr val="accent1"/>
+          </a:effectRef>
+          <a:fontRef idx="minor">
+            <a:schemeClr val="lt1"/>
+          </a:fontRef>
+        </p:style>
+        <p:txBody>
+          <a:bodyPr rtlCol="0" anchor="ctr"/>
+          <a:lstStyle/>
+          <a:p>
+            <a:pPr algn="ctr"/>
+            <a:endParaRPr lang="es-CO"/>
+          </a:p>
+        </p:txBody>
+      </p:sp>
+      <p:sp>
+        <p:nvSpPr>
+          <p:cNvPr id="15" name="Rectángulo 14"/>
+          <p:cNvSpPr/>
+          <p:nvPr/>
+        </p:nvSpPr>
+        <p:spPr>
+          <a:xfrm>
+            <a:off x="7804047" y="1242637"/>
+            <a:ext cx="72424" cy="72424"/>
+          </a:xfrm>
+          <a:prstGeom prst="rect">
+            <a:avLst/>
+          </a:prstGeom>
+        </p:spPr>
+        <p:style>
+          <a:lnRef idx="2">
+            <a:schemeClr val="accent1">
+              <a:shade val="50000"/>
+            </a:schemeClr>
+          </a:lnRef>
+          <a:fillRef idx="1">
+            <a:schemeClr val="accent1"/>
+          </a:fillRef>
+          <a:effectRef idx="0">
+            <a:schemeClr val="accent1"/>
+          </a:effectRef>
+          <a:fontRef idx="minor">
+            <a:schemeClr val="lt1"/>
+          </a:fontRef>
+        </p:style>
+        <p:txBody>
+          <a:bodyPr rtlCol="0" anchor="ctr"/>
+          <a:lstStyle/>
+          <a:p>
+            <a:pPr algn="ctr"/>
+            <a:endParaRPr lang="es-CO"/>
+          </a:p>
+        </p:txBody>
+      </p:sp>
+      <p:sp>
+        <p:nvSpPr>
+          <p:cNvPr id="16" name="Rectángulo 15"/>
+          <p:cNvSpPr/>
+          <p:nvPr/>
+        </p:nvSpPr>
+        <p:spPr>
+          <a:xfrm>
+            <a:off x="7804047" y="1442442"/>
+            <a:ext cx="72424" cy="72424"/>
+          </a:xfrm>
+          <a:prstGeom prst="rect">
+            <a:avLst/>
+          </a:prstGeom>
+        </p:spPr>
+        <p:style>
+          <a:lnRef idx="2">
+            <a:schemeClr val="accent1">
+              <a:shade val="50000"/>
+            </a:schemeClr>
+          </a:lnRef>
+          <a:fillRef idx="1">
+            <a:schemeClr val="accent1"/>
+          </a:fillRef>
+          <a:effectRef idx="0">
+            <a:schemeClr val="accent1"/>
+          </a:effectRef>
+          <a:fontRef idx="minor">
+            <a:schemeClr val="lt1"/>
+          </a:fontRef>
+        </p:style>
+        <p:txBody>
+          <a:bodyPr rtlCol="0" anchor="ctr"/>
+          <a:lstStyle/>
+          <a:p>
+            <a:pPr algn="ctr"/>
+            <a:endParaRPr lang="es-CO"/>
+          </a:p>
+        </p:txBody>
+      </p:sp>
+      <p:sp>
+        <p:nvSpPr>
+          <p:cNvPr id="17" name="Rectángulo 16"/>
+          <p:cNvSpPr/>
+          <p:nvPr/>
+        </p:nvSpPr>
+        <p:spPr>
+          <a:xfrm>
+            <a:off x="7804047" y="1637843"/>
+            <a:ext cx="72424" cy="72424"/>
+          </a:xfrm>
+          <a:prstGeom prst="rect">
+            <a:avLst/>
+          </a:prstGeom>
+        </p:spPr>
+        <p:style>
+          <a:lnRef idx="2">
+            <a:schemeClr val="accent1">
+              <a:shade val="50000"/>
+            </a:schemeClr>
+          </a:lnRef>
+          <a:fillRef idx="1">
+            <a:schemeClr val="accent1"/>
+          </a:fillRef>
+          <a:effectRef idx="0">
+            <a:schemeClr val="accent1"/>
+          </a:effectRef>
+          <a:fontRef idx="minor">
+            <a:schemeClr val="lt1"/>
+          </a:fontRef>
+        </p:style>
+        <p:txBody>
+          <a:bodyPr rtlCol="0" anchor="ctr"/>
+          <a:lstStyle/>
+          <a:p>
+            <a:pPr algn="ctr"/>
+            <a:endParaRPr lang="es-CO"/>
+          </a:p>
+        </p:txBody>
+      </p:sp>
+    </p:spTree>
+    <p:extLst>
+      <p:ext uri="{BB962C8B-B14F-4D97-AF65-F5344CB8AC3E}">
+        <p14:creationId xmlns:p14="http://schemas.microsoft.com/office/powerpoint/2010/main" val="891650975"/>
+      </p:ext>
+    </p:extLst>
+  </p:cSld>
+  <p:clrMapOvr>
+    <a:masterClrMapping/>
+  </p:clrMapOvr>
+</p:sld>
+</file>
+
+<file path=ppt/slides/slide22.xml><?xml version="1.0" encoding="utf-8"?>
+<p:sld xmlns:a="http://schemas.openxmlformats.org/drawingml/2006/main" xmlns:r="http://schemas.openxmlformats.org/officeDocument/2006/relationships" xmlns:p="http://schemas.openxmlformats.org/presentationml/2006/main">
+  <p:cSld>
+    <p:spTree>
+      <p:nvGrpSpPr>
+        <p:cNvPr id="1" name=""/>
+        <p:cNvGrpSpPr/>
+        <p:nvPr/>
+      </p:nvGrpSpPr>
+      <p:grpSpPr>
+        <a:xfrm>
+          <a:off x="0" y="0"/>
+          <a:ext cx="0" cy="0"/>
+          <a:chOff x="0" y="0"/>
+          <a:chExt cx="0" cy="0"/>
+        </a:xfrm>
+      </p:grpSpPr>
+      <p:sp>
+        <p:nvSpPr>
+          <p:cNvPr id="6" name="Rectángulo 5"/>
+          <p:cNvSpPr/>
+          <p:nvPr/>
+        </p:nvSpPr>
+        <p:spPr>
+          <a:xfrm>
+            <a:off x="5810865" y="58993"/>
+            <a:ext cx="5948517" cy="6145161"/>
+          </a:xfrm>
+          <a:prstGeom prst="rect">
+            <a:avLst/>
+          </a:prstGeom>
+          <a:solidFill>
+            <a:schemeClr val="bg1"/>
+          </a:solidFill>
+          <a:ln>
+            <a:noFill/>
+          </a:ln>
+        </p:spPr>
+        <p:style>
+          <a:lnRef idx="2">
+            <a:schemeClr val="accent1">
+              <a:shade val="50000"/>
+            </a:schemeClr>
+          </a:lnRef>
+          <a:fillRef idx="1">
+            <a:schemeClr val="accent1"/>
+          </a:fillRef>
+          <a:effectRef idx="0">
+            <a:schemeClr val="accent1"/>
+          </a:effectRef>
+          <a:fontRef idx="minor">
+            <a:schemeClr val="lt1"/>
+          </a:fontRef>
+        </p:style>
+        <p:txBody>
+          <a:bodyPr rtlCol="0" anchor="ctr"/>
+          <a:lstStyle/>
+          <a:p>
+            <a:pPr algn="ctr"/>
+            <a:endParaRPr lang="es-CO"/>
+          </a:p>
+        </p:txBody>
+      </p:sp>
+      <p:sp>
+        <p:nvSpPr>
+          <p:cNvPr id="2" name="Título 1"/>
+          <p:cNvSpPr>
+            <a:spLocks noGrp="1"/>
+          </p:cNvSpPr>
+          <p:nvPr>
+            <p:ph type="title"/>
+          </p:nvPr>
+        </p:nvSpPr>
+        <p:spPr/>
+        <p:txBody>
+          <a:bodyPr/>
+          <a:lstStyle/>
+          <a:p>
+            <a:r>
+              <a:rPr lang="es-ES" dirty="0" smtClean="0"/>
+              <a:t>TALLER DB</a:t>
+            </a:r>
+            <a:endParaRPr lang="es-CO" dirty="0"/>
+          </a:p>
+        </p:txBody>
+      </p:sp>
+      <p:sp>
+        <p:nvSpPr>
+          <p:cNvPr id="4" name="CuadroTexto 3"/>
+          <p:cNvSpPr txBox="1"/>
+          <p:nvPr/>
+        </p:nvSpPr>
+        <p:spPr>
+          <a:xfrm>
+            <a:off x="1097280" y="1950909"/>
+            <a:ext cx="4798142" cy="1200329"/>
+          </a:xfrm>
+          <a:prstGeom prst="rect">
+            <a:avLst/>
+          </a:prstGeom>
+          <a:noFill/>
+        </p:spPr>
+        <p:txBody>
+          <a:bodyPr wrap="square" rtlCol="0">
+            <a:spAutoFit/>
+          </a:bodyPr>
+          <a:lstStyle/>
+          <a:p>
+            <a:r>
+              <a:rPr lang="es-ES" dirty="0" smtClean="0"/>
+              <a:t>Use la conexión SQL en conjunto con la base de datos de películas y actores, para hacer un programa con arquitectura MVC que le permita gestionar la base de datos</a:t>
+            </a:r>
+            <a:endParaRPr lang="es-CO" dirty="0"/>
+          </a:p>
+        </p:txBody>
+      </p:sp>
+      <p:pic>
+        <p:nvPicPr>
+          <p:cNvPr id="5" name="Imagen 4"/>
+          <p:cNvPicPr>
+            <a:picLocks noChangeAspect="1"/>
+          </p:cNvPicPr>
+          <p:nvPr/>
+        </p:nvPicPr>
+        <p:blipFill>
+          <a:blip r:embed="rId2"/>
+          <a:stretch>
+            <a:fillRect/>
+          </a:stretch>
+        </p:blipFill>
+        <p:spPr>
+          <a:xfrm>
+            <a:off x="7731260" y="626480"/>
+            <a:ext cx="3726271" cy="5345379"/>
+          </a:xfrm>
+          <a:prstGeom prst="rect">
+            <a:avLst/>
+          </a:prstGeom>
+        </p:spPr>
+      </p:pic>
+      <p:sp>
+        <p:nvSpPr>
+          <p:cNvPr id="7" name="CuadroTexto 6"/>
+          <p:cNvSpPr txBox="1"/>
+          <p:nvPr/>
+        </p:nvSpPr>
+        <p:spPr>
+          <a:xfrm>
+            <a:off x="1097280" y="3971438"/>
+            <a:ext cx="4292867" cy="369332"/>
+          </a:xfrm>
+          <a:prstGeom prst="rect">
+            <a:avLst/>
+          </a:prstGeom>
+          <a:noFill/>
+        </p:spPr>
+        <p:txBody>
+          <a:bodyPr wrap="square" rtlCol="0">
+            <a:spAutoFit/>
+          </a:bodyPr>
+          <a:lstStyle/>
+          <a:p>
+            <a:r>
+              <a:rPr lang="es-ES" dirty="0" smtClean="0"/>
+              <a:t>La interfaz también permite inscribir actores</a:t>
+            </a:r>
+            <a:endParaRPr lang="es-CO" dirty="0"/>
+          </a:p>
+        </p:txBody>
+      </p:sp>
+      <p:cxnSp>
+        <p:nvCxnSpPr>
+          <p:cNvPr id="8" name="Conector angular 7"/>
+          <p:cNvCxnSpPr>
+            <a:stCxn id="7" idx="3"/>
+            <a:endCxn id="15" idx="1"/>
+          </p:cNvCxnSpPr>
+          <p:nvPr/>
+        </p:nvCxnSpPr>
+        <p:spPr>
+          <a:xfrm flipV="1">
+            <a:off x="5390147" y="1278849"/>
+            <a:ext cx="2413900" cy="2877255"/>
+          </a:xfrm>
+          <a:prstGeom prst="bentConnector3">
+            <a:avLst>
+              <a:gd name="adj1" fmla="val 61962"/>
+            </a:avLst>
+          </a:prstGeom>
+        </p:spPr>
+        <p:style>
+          <a:lnRef idx="1">
+            <a:schemeClr val="accent1"/>
+          </a:lnRef>
+          <a:fillRef idx="0">
+            <a:schemeClr val="accent1"/>
+          </a:fillRef>
+          <a:effectRef idx="0">
+            <a:schemeClr val="accent1"/>
+          </a:effectRef>
+          <a:fontRef idx="minor">
+            <a:schemeClr val="tx1"/>
+          </a:fontRef>
+        </p:style>
+      </p:cxnSp>
+      <p:sp>
+        <p:nvSpPr>
+          <p:cNvPr id="9" name="Rectángulo 8"/>
+          <p:cNvSpPr/>
+          <p:nvPr/>
+        </p:nvSpPr>
+        <p:spPr>
+          <a:xfrm>
+            <a:off x="7804047" y="1039527"/>
+            <a:ext cx="72424" cy="72424"/>
+          </a:xfrm>
+          <a:prstGeom prst="rect">
+            <a:avLst/>
+          </a:prstGeom>
+        </p:spPr>
+        <p:style>
+          <a:lnRef idx="2">
+            <a:schemeClr val="accent1">
+              <a:shade val="50000"/>
+            </a:schemeClr>
+          </a:lnRef>
+          <a:fillRef idx="1">
+            <a:schemeClr val="accent1"/>
+          </a:fillRef>
+          <a:effectRef idx="0">
+            <a:schemeClr val="accent1"/>
+          </a:effectRef>
+          <a:fontRef idx="minor">
+            <a:schemeClr val="lt1"/>
+          </a:fontRef>
+        </p:style>
+        <p:txBody>
+          <a:bodyPr rtlCol="0" anchor="ctr"/>
+          <a:lstStyle/>
+          <a:p>
+            <a:pPr algn="ctr"/>
+            <a:endParaRPr lang="es-CO"/>
+          </a:p>
+        </p:txBody>
+      </p:sp>
+      <p:sp>
+        <p:nvSpPr>
+          <p:cNvPr id="15" name="Rectángulo 14"/>
+          <p:cNvSpPr/>
+          <p:nvPr/>
+        </p:nvSpPr>
+        <p:spPr>
+          <a:xfrm>
+            <a:off x="7804047" y="1242637"/>
+            <a:ext cx="72424" cy="72424"/>
+          </a:xfrm>
+          <a:prstGeom prst="rect">
+            <a:avLst/>
+          </a:prstGeom>
+        </p:spPr>
+        <p:style>
+          <a:lnRef idx="2">
+            <a:schemeClr val="accent1">
+              <a:shade val="50000"/>
+            </a:schemeClr>
+          </a:lnRef>
+          <a:fillRef idx="1">
+            <a:schemeClr val="accent1"/>
+          </a:fillRef>
+          <a:effectRef idx="0">
+            <a:schemeClr val="accent1"/>
+          </a:effectRef>
+          <a:fontRef idx="minor">
+            <a:schemeClr val="lt1"/>
+          </a:fontRef>
+        </p:style>
+        <p:txBody>
+          <a:bodyPr rtlCol="0" anchor="ctr"/>
+          <a:lstStyle/>
+          <a:p>
+            <a:pPr algn="ctr"/>
+            <a:endParaRPr lang="es-CO"/>
+          </a:p>
+        </p:txBody>
+      </p:sp>
+      <p:sp>
+        <p:nvSpPr>
+          <p:cNvPr id="16" name="Rectángulo 15"/>
+          <p:cNvSpPr/>
+          <p:nvPr/>
+        </p:nvSpPr>
+        <p:spPr>
+          <a:xfrm>
+            <a:off x="7804047" y="1442442"/>
+            <a:ext cx="72424" cy="72424"/>
+          </a:xfrm>
+          <a:prstGeom prst="rect">
+            <a:avLst/>
+          </a:prstGeom>
+        </p:spPr>
+        <p:style>
+          <a:lnRef idx="2">
+            <a:schemeClr val="accent1">
+              <a:shade val="50000"/>
+            </a:schemeClr>
+          </a:lnRef>
+          <a:fillRef idx="1">
+            <a:schemeClr val="accent1"/>
+          </a:fillRef>
+          <a:effectRef idx="0">
+            <a:schemeClr val="accent1"/>
+          </a:effectRef>
+          <a:fontRef idx="minor">
+            <a:schemeClr val="lt1"/>
+          </a:fontRef>
+        </p:style>
+        <p:txBody>
+          <a:bodyPr rtlCol="0" anchor="ctr"/>
+          <a:lstStyle/>
+          <a:p>
+            <a:pPr algn="ctr"/>
+            <a:endParaRPr lang="es-CO"/>
+          </a:p>
+        </p:txBody>
+      </p:sp>
+      <p:sp>
+        <p:nvSpPr>
+          <p:cNvPr id="17" name="Rectángulo 16"/>
+          <p:cNvSpPr/>
+          <p:nvPr/>
+        </p:nvSpPr>
+        <p:spPr>
+          <a:xfrm>
+            <a:off x="7804047" y="1637843"/>
+            <a:ext cx="72424" cy="72424"/>
+          </a:xfrm>
+          <a:prstGeom prst="rect">
+            <a:avLst/>
+          </a:prstGeom>
+        </p:spPr>
+        <p:style>
+          <a:lnRef idx="2">
+            <a:schemeClr val="accent1">
+              <a:shade val="50000"/>
+            </a:schemeClr>
+          </a:lnRef>
+          <a:fillRef idx="1">
+            <a:schemeClr val="accent1"/>
+          </a:fillRef>
+          <a:effectRef idx="0">
+            <a:schemeClr val="accent1"/>
+          </a:effectRef>
+          <a:fontRef idx="minor">
+            <a:schemeClr val="lt1"/>
+          </a:fontRef>
+        </p:style>
+        <p:txBody>
+          <a:bodyPr rtlCol="0" anchor="ctr"/>
+          <a:lstStyle/>
+          <a:p>
+            <a:pPr algn="ctr"/>
+            <a:endParaRPr lang="es-CO"/>
+          </a:p>
+        </p:txBody>
+      </p:sp>
+    </p:spTree>
+    <p:extLst>
+      <p:ext uri="{BB962C8B-B14F-4D97-AF65-F5344CB8AC3E}">
+        <p14:creationId xmlns:p14="http://schemas.microsoft.com/office/powerpoint/2010/main" val="1518576509"/>
+      </p:ext>
+    </p:extLst>
+  </p:cSld>
+  <p:clrMapOvr>
+    <a:masterClrMapping/>
+  </p:clrMapOvr>
+</p:sld>
+</file>
+
+<file path=ppt/slides/slide23.xml><?xml version="1.0" encoding="utf-8"?>
+<p:sld xmlns:a="http://schemas.openxmlformats.org/drawingml/2006/main" xmlns:r="http://schemas.openxmlformats.org/officeDocument/2006/relationships" xmlns:p="http://schemas.openxmlformats.org/presentationml/2006/main">
+  <p:cSld>
+    <p:spTree>
+      <p:nvGrpSpPr>
+        <p:cNvPr id="1" name=""/>
+        <p:cNvGrpSpPr/>
+        <p:nvPr/>
+      </p:nvGrpSpPr>
+      <p:grpSpPr>
+        <a:xfrm>
+          <a:off x="0" y="0"/>
+          <a:ext cx="0" cy="0"/>
+          <a:chOff x="0" y="0"/>
+          <a:chExt cx="0" cy="0"/>
+        </a:xfrm>
+      </p:grpSpPr>
+      <p:sp>
+        <p:nvSpPr>
+          <p:cNvPr id="6" name="Rectángulo 5"/>
+          <p:cNvSpPr/>
+          <p:nvPr/>
+        </p:nvSpPr>
+        <p:spPr>
+          <a:xfrm>
+            <a:off x="5810865" y="58993"/>
+            <a:ext cx="5948517" cy="6145161"/>
+          </a:xfrm>
+          <a:prstGeom prst="rect">
+            <a:avLst/>
+          </a:prstGeom>
+          <a:solidFill>
+            <a:schemeClr val="bg1"/>
+          </a:solidFill>
+          <a:ln>
+            <a:noFill/>
+          </a:ln>
+        </p:spPr>
+        <p:style>
+          <a:lnRef idx="2">
+            <a:schemeClr val="accent1">
+              <a:shade val="50000"/>
+            </a:schemeClr>
+          </a:lnRef>
+          <a:fillRef idx="1">
+            <a:schemeClr val="accent1"/>
+          </a:fillRef>
+          <a:effectRef idx="0">
+            <a:schemeClr val="accent1"/>
+          </a:effectRef>
+          <a:fontRef idx="minor">
+            <a:schemeClr val="lt1"/>
+          </a:fontRef>
+        </p:style>
+        <p:txBody>
+          <a:bodyPr rtlCol="0" anchor="ctr"/>
+          <a:lstStyle/>
+          <a:p>
+            <a:pPr algn="ctr"/>
+            <a:endParaRPr lang="es-CO"/>
+          </a:p>
+        </p:txBody>
+      </p:sp>
+      <p:sp>
+        <p:nvSpPr>
+          <p:cNvPr id="2" name="Título 1"/>
+          <p:cNvSpPr>
+            <a:spLocks noGrp="1"/>
+          </p:cNvSpPr>
+          <p:nvPr>
+            <p:ph type="title"/>
+          </p:nvPr>
+        </p:nvSpPr>
+        <p:spPr/>
+        <p:txBody>
+          <a:bodyPr/>
+          <a:lstStyle/>
+          <a:p>
+            <a:r>
+              <a:rPr lang="es-ES" dirty="0" smtClean="0"/>
+              <a:t>TALLER DB</a:t>
+            </a:r>
+            <a:endParaRPr lang="es-CO" dirty="0"/>
+          </a:p>
+        </p:txBody>
+      </p:sp>
+      <p:sp>
+        <p:nvSpPr>
+          <p:cNvPr id="4" name="CuadroTexto 3"/>
+          <p:cNvSpPr txBox="1"/>
+          <p:nvPr/>
+        </p:nvSpPr>
+        <p:spPr>
+          <a:xfrm>
+            <a:off x="1097280" y="1950909"/>
+            <a:ext cx="4798142" cy="1200329"/>
+          </a:xfrm>
+          <a:prstGeom prst="rect">
+            <a:avLst/>
+          </a:prstGeom>
+          <a:noFill/>
+        </p:spPr>
+        <p:txBody>
+          <a:bodyPr wrap="square" rtlCol="0">
+            <a:spAutoFit/>
+          </a:bodyPr>
+          <a:lstStyle/>
+          <a:p>
+            <a:r>
+              <a:rPr lang="es-ES" dirty="0" smtClean="0"/>
+              <a:t>Use la conexión SQL en conjunto con la base de datos de películas y actores, para hacer un programa con arquitectura MVC que le permita gestionar la base de datos</a:t>
+            </a:r>
+            <a:endParaRPr lang="es-CO" dirty="0"/>
+          </a:p>
+        </p:txBody>
+      </p:sp>
+      <p:pic>
+        <p:nvPicPr>
+          <p:cNvPr id="5" name="Imagen 4"/>
+          <p:cNvPicPr>
+            <a:picLocks noChangeAspect="1"/>
+          </p:cNvPicPr>
+          <p:nvPr/>
+        </p:nvPicPr>
+        <p:blipFill>
+          <a:blip r:embed="rId2"/>
+          <a:stretch>
+            <a:fillRect/>
+          </a:stretch>
+        </p:blipFill>
+        <p:spPr>
+          <a:xfrm>
+            <a:off x="7731260" y="626480"/>
+            <a:ext cx="3726271" cy="5345379"/>
+          </a:xfrm>
+          <a:prstGeom prst="rect">
+            <a:avLst/>
+          </a:prstGeom>
+        </p:spPr>
+      </p:pic>
+      <p:sp>
+        <p:nvSpPr>
+          <p:cNvPr id="7" name="CuadroTexto 6"/>
+          <p:cNvSpPr txBox="1"/>
+          <p:nvPr/>
+        </p:nvSpPr>
+        <p:spPr>
+          <a:xfrm>
+            <a:off x="1097280" y="3971438"/>
+            <a:ext cx="2387065" cy="369332"/>
+          </a:xfrm>
+          <a:prstGeom prst="rect">
+            <a:avLst/>
+          </a:prstGeom>
+          <a:noFill/>
+        </p:spPr>
+        <p:txBody>
+          <a:bodyPr wrap="square" rtlCol="0">
+            <a:spAutoFit/>
+          </a:bodyPr>
+          <a:lstStyle/>
+          <a:p>
+            <a:r>
+              <a:rPr lang="es-ES" dirty="0" smtClean="0"/>
+              <a:t>Al igual que los géneros</a:t>
+            </a:r>
+            <a:endParaRPr lang="es-CO" dirty="0"/>
+          </a:p>
+        </p:txBody>
+      </p:sp>
+      <p:cxnSp>
+        <p:nvCxnSpPr>
+          <p:cNvPr id="8" name="Conector angular 7"/>
+          <p:cNvCxnSpPr>
+            <a:stCxn id="7" idx="3"/>
+            <a:endCxn id="16" idx="1"/>
+          </p:cNvCxnSpPr>
+          <p:nvPr/>
+        </p:nvCxnSpPr>
+        <p:spPr>
+          <a:xfrm flipV="1">
+            <a:off x="3484345" y="1478654"/>
+            <a:ext cx="4319702" cy="2677450"/>
+          </a:xfrm>
+          <a:prstGeom prst="bentConnector3">
+            <a:avLst>
+              <a:gd name="adj1" fmla="val 79858"/>
+            </a:avLst>
+          </a:prstGeom>
+        </p:spPr>
+        <p:style>
+          <a:lnRef idx="1">
+            <a:schemeClr val="accent1"/>
+          </a:lnRef>
+          <a:fillRef idx="0">
+            <a:schemeClr val="accent1"/>
+          </a:fillRef>
+          <a:effectRef idx="0">
+            <a:schemeClr val="accent1"/>
+          </a:effectRef>
+          <a:fontRef idx="minor">
+            <a:schemeClr val="tx1"/>
+          </a:fontRef>
+        </p:style>
+      </p:cxnSp>
+      <p:sp>
+        <p:nvSpPr>
+          <p:cNvPr id="9" name="Rectángulo 8"/>
+          <p:cNvSpPr/>
+          <p:nvPr/>
+        </p:nvSpPr>
+        <p:spPr>
+          <a:xfrm>
+            <a:off x="7804047" y="1039527"/>
+            <a:ext cx="72424" cy="72424"/>
+          </a:xfrm>
+          <a:prstGeom prst="rect">
+            <a:avLst/>
+          </a:prstGeom>
+        </p:spPr>
+        <p:style>
+          <a:lnRef idx="2">
+            <a:schemeClr val="accent1">
+              <a:shade val="50000"/>
+            </a:schemeClr>
+          </a:lnRef>
+          <a:fillRef idx="1">
+            <a:schemeClr val="accent1"/>
+          </a:fillRef>
+          <a:effectRef idx="0">
+            <a:schemeClr val="accent1"/>
+          </a:effectRef>
+          <a:fontRef idx="minor">
+            <a:schemeClr val="lt1"/>
+          </a:fontRef>
+        </p:style>
+        <p:txBody>
+          <a:bodyPr rtlCol="0" anchor="ctr"/>
+          <a:lstStyle/>
+          <a:p>
+            <a:pPr algn="ctr"/>
+            <a:endParaRPr lang="es-CO"/>
+          </a:p>
+        </p:txBody>
+      </p:sp>
+      <p:sp>
+        <p:nvSpPr>
+          <p:cNvPr id="15" name="Rectángulo 14"/>
+          <p:cNvSpPr/>
+          <p:nvPr/>
+        </p:nvSpPr>
+        <p:spPr>
+          <a:xfrm>
+            <a:off x="7804047" y="1242637"/>
+            <a:ext cx="72424" cy="72424"/>
+          </a:xfrm>
+          <a:prstGeom prst="rect">
+            <a:avLst/>
+          </a:prstGeom>
+        </p:spPr>
+        <p:style>
+          <a:lnRef idx="2">
+            <a:schemeClr val="accent1">
+              <a:shade val="50000"/>
+            </a:schemeClr>
+          </a:lnRef>
+          <a:fillRef idx="1">
+            <a:schemeClr val="accent1"/>
+          </a:fillRef>
+          <a:effectRef idx="0">
+            <a:schemeClr val="accent1"/>
+          </a:effectRef>
+          <a:fontRef idx="minor">
+            <a:schemeClr val="lt1"/>
+          </a:fontRef>
+        </p:style>
+        <p:txBody>
+          <a:bodyPr rtlCol="0" anchor="ctr"/>
+          <a:lstStyle/>
+          <a:p>
+            <a:pPr algn="ctr"/>
+            <a:endParaRPr lang="es-CO"/>
+          </a:p>
+        </p:txBody>
+      </p:sp>
+      <p:sp>
+        <p:nvSpPr>
+          <p:cNvPr id="16" name="Rectángulo 15"/>
+          <p:cNvSpPr/>
+          <p:nvPr/>
+        </p:nvSpPr>
+        <p:spPr>
+          <a:xfrm>
+            <a:off x="7804047" y="1442442"/>
+            <a:ext cx="72424" cy="72424"/>
+          </a:xfrm>
+          <a:prstGeom prst="rect">
+            <a:avLst/>
+          </a:prstGeom>
+        </p:spPr>
+        <p:style>
+          <a:lnRef idx="2">
+            <a:schemeClr val="accent1">
+              <a:shade val="50000"/>
+            </a:schemeClr>
+          </a:lnRef>
+          <a:fillRef idx="1">
+            <a:schemeClr val="accent1"/>
+          </a:fillRef>
+          <a:effectRef idx="0">
+            <a:schemeClr val="accent1"/>
+          </a:effectRef>
+          <a:fontRef idx="minor">
+            <a:schemeClr val="lt1"/>
+          </a:fontRef>
+        </p:style>
+        <p:txBody>
+          <a:bodyPr rtlCol="0" anchor="ctr"/>
+          <a:lstStyle/>
+          <a:p>
+            <a:pPr algn="ctr"/>
+            <a:endParaRPr lang="es-CO"/>
+          </a:p>
+        </p:txBody>
+      </p:sp>
+      <p:sp>
+        <p:nvSpPr>
+          <p:cNvPr id="17" name="Rectángulo 16"/>
+          <p:cNvSpPr/>
+          <p:nvPr/>
+        </p:nvSpPr>
+        <p:spPr>
+          <a:xfrm>
+            <a:off x="7804047" y="1637843"/>
+            <a:ext cx="72424" cy="72424"/>
+          </a:xfrm>
+          <a:prstGeom prst="rect">
+            <a:avLst/>
+          </a:prstGeom>
+        </p:spPr>
+        <p:style>
+          <a:lnRef idx="2">
+            <a:schemeClr val="accent1">
+              <a:shade val="50000"/>
+            </a:schemeClr>
+          </a:lnRef>
+          <a:fillRef idx="1">
+            <a:schemeClr val="accent1"/>
+          </a:fillRef>
+          <a:effectRef idx="0">
+            <a:schemeClr val="accent1"/>
+          </a:effectRef>
+          <a:fontRef idx="minor">
+            <a:schemeClr val="lt1"/>
+          </a:fontRef>
+        </p:style>
+        <p:txBody>
+          <a:bodyPr rtlCol="0" anchor="ctr"/>
+          <a:lstStyle/>
+          <a:p>
+            <a:pPr algn="ctr"/>
+            <a:endParaRPr lang="es-CO"/>
+          </a:p>
+        </p:txBody>
+      </p:sp>
+    </p:spTree>
+    <p:extLst>
+      <p:ext uri="{BB962C8B-B14F-4D97-AF65-F5344CB8AC3E}">
+        <p14:creationId xmlns:p14="http://schemas.microsoft.com/office/powerpoint/2010/main" val="645496815"/>
+      </p:ext>
+    </p:extLst>
+  </p:cSld>
+  <p:clrMapOvr>
+    <a:masterClrMapping/>
+  </p:clrMapOvr>
+</p:sld>
+</file>
+
+<file path=ppt/slides/slide24.xml><?xml version="1.0" encoding="utf-8"?>
+<p:sld xmlns:a="http://schemas.openxmlformats.org/drawingml/2006/main" xmlns:r="http://schemas.openxmlformats.org/officeDocument/2006/relationships" xmlns:p="http://schemas.openxmlformats.org/presentationml/2006/main">
+  <p:cSld>
+    <p:spTree>
+      <p:nvGrpSpPr>
+        <p:cNvPr id="1" name=""/>
+        <p:cNvGrpSpPr/>
+        <p:nvPr/>
+      </p:nvGrpSpPr>
+      <p:grpSpPr>
+        <a:xfrm>
+          <a:off x="0" y="0"/>
+          <a:ext cx="0" cy="0"/>
+          <a:chOff x="0" y="0"/>
+          <a:chExt cx="0" cy="0"/>
+        </a:xfrm>
+      </p:grpSpPr>
+      <p:sp>
+        <p:nvSpPr>
+          <p:cNvPr id="6" name="Rectángulo 5"/>
+          <p:cNvSpPr/>
+          <p:nvPr/>
+        </p:nvSpPr>
+        <p:spPr>
+          <a:xfrm>
+            <a:off x="5810865" y="58993"/>
+            <a:ext cx="5948517" cy="6145161"/>
+          </a:xfrm>
+          <a:prstGeom prst="rect">
+            <a:avLst/>
+          </a:prstGeom>
+          <a:solidFill>
+            <a:schemeClr val="bg1"/>
+          </a:solidFill>
+          <a:ln>
+            <a:noFill/>
+          </a:ln>
+        </p:spPr>
+        <p:style>
+          <a:lnRef idx="2">
+            <a:schemeClr val="accent1">
+              <a:shade val="50000"/>
+            </a:schemeClr>
+          </a:lnRef>
+          <a:fillRef idx="1">
+            <a:schemeClr val="accent1"/>
+          </a:fillRef>
+          <a:effectRef idx="0">
+            <a:schemeClr val="accent1"/>
+          </a:effectRef>
+          <a:fontRef idx="minor">
+            <a:schemeClr val="lt1"/>
+          </a:fontRef>
+        </p:style>
+        <p:txBody>
+          <a:bodyPr rtlCol="0" anchor="ctr"/>
+          <a:lstStyle/>
+          <a:p>
+            <a:pPr algn="ctr"/>
+            <a:endParaRPr lang="es-CO"/>
+          </a:p>
+        </p:txBody>
+      </p:sp>
+      <p:sp>
+        <p:nvSpPr>
+          <p:cNvPr id="2" name="Título 1"/>
+          <p:cNvSpPr>
+            <a:spLocks noGrp="1"/>
+          </p:cNvSpPr>
+          <p:nvPr>
+            <p:ph type="title"/>
+          </p:nvPr>
+        </p:nvSpPr>
+        <p:spPr/>
+        <p:txBody>
+          <a:bodyPr/>
+          <a:lstStyle/>
+          <a:p>
+            <a:r>
+              <a:rPr lang="es-ES" dirty="0" smtClean="0"/>
+              <a:t>TALLER DB</a:t>
+            </a:r>
+            <a:endParaRPr lang="es-CO" dirty="0"/>
+          </a:p>
+        </p:txBody>
+      </p:sp>
+      <p:sp>
+        <p:nvSpPr>
+          <p:cNvPr id="4" name="CuadroTexto 3"/>
+          <p:cNvSpPr txBox="1"/>
+          <p:nvPr/>
+        </p:nvSpPr>
+        <p:spPr>
+          <a:xfrm>
+            <a:off x="1097280" y="1950909"/>
+            <a:ext cx="4798142" cy="1200329"/>
+          </a:xfrm>
+          <a:prstGeom prst="rect">
+            <a:avLst/>
+          </a:prstGeom>
+          <a:noFill/>
+        </p:spPr>
+        <p:txBody>
+          <a:bodyPr wrap="square" rtlCol="0">
+            <a:spAutoFit/>
+          </a:bodyPr>
+          <a:lstStyle/>
+          <a:p>
+            <a:r>
+              <a:rPr lang="es-ES" dirty="0" smtClean="0"/>
+              <a:t>Use la conexión SQL en conjunto con la base de datos de películas y actores, para hacer un programa con arquitectura MVC que le permita gestionar la base de datos</a:t>
+            </a:r>
+            <a:endParaRPr lang="es-CO" dirty="0"/>
+          </a:p>
+        </p:txBody>
+      </p:sp>
+      <p:pic>
+        <p:nvPicPr>
+          <p:cNvPr id="5" name="Imagen 4"/>
+          <p:cNvPicPr>
+            <a:picLocks noChangeAspect="1"/>
+          </p:cNvPicPr>
+          <p:nvPr/>
+        </p:nvPicPr>
+        <p:blipFill>
+          <a:blip r:embed="rId2"/>
+          <a:stretch>
+            <a:fillRect/>
+          </a:stretch>
+        </p:blipFill>
+        <p:spPr>
+          <a:xfrm>
+            <a:off x="7731260" y="626480"/>
+            <a:ext cx="3726271" cy="5345379"/>
+          </a:xfrm>
+          <a:prstGeom prst="rect">
+            <a:avLst/>
+          </a:prstGeom>
+        </p:spPr>
+      </p:pic>
+      <p:sp>
+        <p:nvSpPr>
+          <p:cNvPr id="7" name="CuadroTexto 6"/>
+          <p:cNvSpPr txBox="1"/>
+          <p:nvPr/>
+        </p:nvSpPr>
+        <p:spPr>
+          <a:xfrm>
+            <a:off x="994765" y="3971438"/>
+            <a:ext cx="4816099" cy="1200329"/>
+          </a:xfrm>
+          <a:prstGeom prst="rect">
+            <a:avLst/>
+          </a:prstGeom>
+          <a:noFill/>
+        </p:spPr>
+        <p:txBody>
+          <a:bodyPr wrap="square" rtlCol="0">
+            <a:spAutoFit/>
+          </a:bodyPr>
+          <a:lstStyle/>
+          <a:p>
+            <a:r>
+              <a:rPr lang="es-ES" dirty="0" smtClean="0"/>
+              <a:t>En el cuadro de búsqueda, al escribir cualquier palabra, el </a:t>
+            </a:r>
+            <a:r>
+              <a:rPr lang="es-ES" dirty="0" err="1" smtClean="0"/>
+              <a:t>TextArea</a:t>
+            </a:r>
+            <a:r>
+              <a:rPr lang="es-ES" dirty="0" smtClean="0"/>
+              <a:t> de la ventana debe mostrar </a:t>
+            </a:r>
+            <a:r>
+              <a:rPr lang="es-ES" smtClean="0"/>
+              <a:t>todas las coincidencias </a:t>
+            </a:r>
+            <a:r>
+              <a:rPr lang="es-ES" dirty="0" smtClean="0"/>
+              <a:t>tanto de películas como </a:t>
+            </a:r>
+            <a:r>
+              <a:rPr lang="es-ES" smtClean="0"/>
+              <a:t>de actores.</a:t>
+            </a:r>
+            <a:endParaRPr lang="es-CO" dirty="0"/>
+          </a:p>
+        </p:txBody>
+      </p:sp>
+      <p:cxnSp>
+        <p:nvCxnSpPr>
+          <p:cNvPr id="8" name="Conector angular 7"/>
+          <p:cNvCxnSpPr>
+            <a:stCxn id="7" idx="3"/>
+            <a:endCxn id="17" idx="1"/>
+          </p:cNvCxnSpPr>
+          <p:nvPr/>
+        </p:nvCxnSpPr>
+        <p:spPr>
+          <a:xfrm flipV="1">
+            <a:off x="5810864" y="1674055"/>
+            <a:ext cx="1993183" cy="2897548"/>
+          </a:xfrm>
+          <a:prstGeom prst="bentConnector3">
+            <a:avLst>
+              <a:gd name="adj1" fmla="val 50000"/>
+            </a:avLst>
+          </a:prstGeom>
+        </p:spPr>
+        <p:style>
+          <a:lnRef idx="1">
+            <a:schemeClr val="accent1"/>
+          </a:lnRef>
+          <a:fillRef idx="0">
+            <a:schemeClr val="accent1"/>
+          </a:fillRef>
+          <a:effectRef idx="0">
+            <a:schemeClr val="accent1"/>
+          </a:effectRef>
+          <a:fontRef idx="minor">
+            <a:schemeClr val="tx1"/>
+          </a:fontRef>
+        </p:style>
+      </p:cxnSp>
+      <p:sp>
+        <p:nvSpPr>
+          <p:cNvPr id="9" name="Rectángulo 8"/>
+          <p:cNvSpPr/>
+          <p:nvPr/>
+        </p:nvSpPr>
+        <p:spPr>
+          <a:xfrm>
+            <a:off x="7804047" y="1039527"/>
+            <a:ext cx="72424" cy="72424"/>
+          </a:xfrm>
+          <a:prstGeom prst="rect">
+            <a:avLst/>
+          </a:prstGeom>
+        </p:spPr>
+        <p:style>
+          <a:lnRef idx="2">
+            <a:schemeClr val="accent1">
+              <a:shade val="50000"/>
+            </a:schemeClr>
+          </a:lnRef>
+          <a:fillRef idx="1">
+            <a:schemeClr val="accent1"/>
+          </a:fillRef>
+          <a:effectRef idx="0">
+            <a:schemeClr val="accent1"/>
+          </a:effectRef>
+          <a:fontRef idx="minor">
+            <a:schemeClr val="lt1"/>
+          </a:fontRef>
+        </p:style>
+        <p:txBody>
+          <a:bodyPr rtlCol="0" anchor="ctr"/>
+          <a:lstStyle/>
+          <a:p>
+            <a:pPr algn="ctr"/>
+            <a:endParaRPr lang="es-CO"/>
+          </a:p>
+        </p:txBody>
+      </p:sp>
+      <p:sp>
+        <p:nvSpPr>
+          <p:cNvPr id="15" name="Rectángulo 14"/>
+          <p:cNvSpPr/>
+          <p:nvPr/>
+        </p:nvSpPr>
+        <p:spPr>
+          <a:xfrm>
+            <a:off x="7804047" y="1242637"/>
+            <a:ext cx="72424" cy="72424"/>
+          </a:xfrm>
+          <a:prstGeom prst="rect">
+            <a:avLst/>
+          </a:prstGeom>
+        </p:spPr>
+        <p:style>
+          <a:lnRef idx="2">
+            <a:schemeClr val="accent1">
+              <a:shade val="50000"/>
+            </a:schemeClr>
+          </a:lnRef>
+          <a:fillRef idx="1">
+            <a:schemeClr val="accent1"/>
+          </a:fillRef>
+          <a:effectRef idx="0">
+            <a:schemeClr val="accent1"/>
+          </a:effectRef>
+          <a:fontRef idx="minor">
+            <a:schemeClr val="lt1"/>
+          </a:fontRef>
+        </p:style>
+        <p:txBody>
+          <a:bodyPr rtlCol="0" anchor="ctr"/>
+          <a:lstStyle/>
+          <a:p>
+            <a:pPr algn="ctr"/>
+            <a:endParaRPr lang="es-CO"/>
+          </a:p>
+        </p:txBody>
+      </p:sp>
+      <p:sp>
+        <p:nvSpPr>
+          <p:cNvPr id="16" name="Rectángulo 15"/>
+          <p:cNvSpPr/>
+          <p:nvPr/>
+        </p:nvSpPr>
+        <p:spPr>
+          <a:xfrm>
+            <a:off x="7804047" y="1442442"/>
+            <a:ext cx="72424" cy="72424"/>
+          </a:xfrm>
+          <a:prstGeom prst="rect">
+            <a:avLst/>
+          </a:prstGeom>
+        </p:spPr>
+        <p:style>
+          <a:lnRef idx="2">
+            <a:schemeClr val="accent1">
+              <a:shade val="50000"/>
+            </a:schemeClr>
+          </a:lnRef>
+          <a:fillRef idx="1">
+            <a:schemeClr val="accent1"/>
+          </a:fillRef>
+          <a:effectRef idx="0">
+            <a:schemeClr val="accent1"/>
+          </a:effectRef>
+          <a:fontRef idx="minor">
+            <a:schemeClr val="lt1"/>
+          </a:fontRef>
+        </p:style>
+        <p:txBody>
+          <a:bodyPr rtlCol="0" anchor="ctr"/>
+          <a:lstStyle/>
+          <a:p>
+            <a:pPr algn="ctr"/>
+            <a:endParaRPr lang="es-CO"/>
+          </a:p>
+        </p:txBody>
+      </p:sp>
+      <p:sp>
+        <p:nvSpPr>
+          <p:cNvPr id="17" name="Rectángulo 16"/>
+          <p:cNvSpPr/>
+          <p:nvPr/>
+        </p:nvSpPr>
+        <p:spPr>
+          <a:xfrm>
+            <a:off x="7804047" y="1637843"/>
+            <a:ext cx="72424" cy="72424"/>
+          </a:xfrm>
+          <a:prstGeom prst="rect">
+            <a:avLst/>
+          </a:prstGeom>
+        </p:spPr>
+        <p:style>
+          <a:lnRef idx="2">
+            <a:schemeClr val="accent1">
+              <a:shade val="50000"/>
+            </a:schemeClr>
+          </a:lnRef>
+          <a:fillRef idx="1">
+            <a:schemeClr val="accent1"/>
+          </a:fillRef>
+          <a:effectRef idx="0">
+            <a:schemeClr val="accent1"/>
+          </a:effectRef>
+          <a:fontRef idx="minor">
+            <a:schemeClr val="lt1"/>
+          </a:fontRef>
+        </p:style>
+        <p:txBody>
+          <a:bodyPr rtlCol="0" anchor="ctr"/>
+          <a:lstStyle/>
+          <a:p>
+            <a:pPr algn="ctr"/>
+            <a:endParaRPr lang="es-CO"/>
+          </a:p>
+        </p:txBody>
+      </p:sp>
+    </p:spTree>
+    <p:extLst>
+      <p:ext uri="{BB962C8B-B14F-4D97-AF65-F5344CB8AC3E}">
+        <p14:creationId xmlns:p14="http://schemas.microsoft.com/office/powerpoint/2010/main" val="2122501893"/>
+      </p:ext>
+    </p:extLst>
+  </p:cSld>
+  <p:clrMapOvr>
+    <a:masterClrMapping/>
+  </p:clrMapOvr>
+</p:sld>
+</file>
+
+<file path=ppt/slides/slide25.xml><?xml version="1.0" encoding="utf-8"?>
+<p:sld xmlns:a="http://schemas.openxmlformats.org/drawingml/2006/main" xmlns:r="http://schemas.openxmlformats.org/officeDocument/2006/relationships" xmlns:p="http://schemas.openxmlformats.org/presentationml/2006/main">
+  <p:cSld>
+    <p:spTree>
+      <p:nvGrpSpPr>
+        <p:cNvPr id="1" name=""/>
+        <p:cNvGrpSpPr/>
+        <p:nvPr/>
+      </p:nvGrpSpPr>
+      <p:grpSpPr>
+        <a:xfrm>
+          <a:off x="0" y="0"/>
+          <a:ext cx="0" cy="0"/>
+          <a:chOff x="0" y="0"/>
+          <a:chExt cx="0" cy="0"/>
+        </a:xfrm>
+      </p:grpSpPr>
+      <p:sp>
+        <p:nvSpPr>
+          <p:cNvPr id="6" name="Rectángulo 5"/>
+          <p:cNvSpPr/>
+          <p:nvPr/>
+        </p:nvSpPr>
+        <p:spPr>
+          <a:xfrm>
+            <a:off x="5810865" y="58993"/>
+            <a:ext cx="5948517" cy="6145161"/>
+          </a:xfrm>
+          <a:prstGeom prst="rect">
+            <a:avLst/>
+          </a:prstGeom>
+          <a:solidFill>
+            <a:schemeClr val="bg1"/>
+          </a:solidFill>
+          <a:ln>
+            <a:noFill/>
+          </a:ln>
+        </p:spPr>
+        <p:style>
+          <a:lnRef idx="2">
+            <a:schemeClr val="accent1">
+              <a:shade val="50000"/>
+            </a:schemeClr>
+          </a:lnRef>
+          <a:fillRef idx="1">
+            <a:schemeClr val="accent1"/>
+          </a:fillRef>
+          <a:effectRef idx="0">
+            <a:schemeClr val="accent1"/>
+          </a:effectRef>
+          <a:fontRef idx="minor">
+            <a:schemeClr val="lt1"/>
+          </a:fontRef>
+        </p:style>
+        <p:txBody>
+          <a:bodyPr rtlCol="0" anchor="ctr"/>
+          <a:lstStyle/>
+          <a:p>
+            <a:pPr algn="ctr"/>
+            <a:endParaRPr lang="es-CO"/>
+          </a:p>
+        </p:txBody>
+      </p:sp>
+      <p:sp>
+        <p:nvSpPr>
+          <p:cNvPr id="2" name="Título 1"/>
+          <p:cNvSpPr>
+            <a:spLocks noGrp="1"/>
+          </p:cNvSpPr>
+          <p:nvPr>
+            <p:ph type="title"/>
+          </p:nvPr>
+        </p:nvSpPr>
+        <p:spPr/>
+        <p:txBody>
+          <a:bodyPr/>
+          <a:lstStyle/>
+          <a:p>
+            <a:r>
+              <a:rPr lang="es-ES" dirty="0" smtClean="0"/>
+              <a:t>TALLER DB</a:t>
+            </a:r>
+            <a:endParaRPr lang="es-CO" dirty="0"/>
+          </a:p>
+        </p:txBody>
+      </p:sp>
+      <p:pic>
+        <p:nvPicPr>
+          <p:cNvPr id="5" name="Imagen 4"/>
+          <p:cNvPicPr>
+            <a:picLocks noChangeAspect="1"/>
+          </p:cNvPicPr>
+          <p:nvPr/>
+        </p:nvPicPr>
+        <p:blipFill>
+          <a:blip r:embed="rId2"/>
+          <a:stretch>
+            <a:fillRect/>
+          </a:stretch>
+        </p:blipFill>
+        <p:spPr>
+          <a:xfrm>
+            <a:off x="7731260" y="626480"/>
+            <a:ext cx="3726271" cy="5345379"/>
+          </a:xfrm>
+          <a:prstGeom prst="rect">
+            <a:avLst/>
+          </a:prstGeom>
+        </p:spPr>
+      </p:pic>
+      <p:sp>
+        <p:nvSpPr>
+          <p:cNvPr id="7" name="CuadroTexto 6"/>
+          <p:cNvSpPr txBox="1"/>
+          <p:nvPr/>
+        </p:nvSpPr>
+        <p:spPr>
+          <a:xfrm>
+            <a:off x="1062141" y="1815377"/>
+            <a:ext cx="4816099" cy="4247317"/>
+          </a:xfrm>
+          <a:prstGeom prst="rect">
+            <a:avLst/>
+          </a:prstGeom>
+          <a:noFill/>
+        </p:spPr>
+        <p:txBody>
+          <a:bodyPr wrap="square" rtlCol="0">
+            <a:spAutoFit/>
+          </a:bodyPr>
+          <a:lstStyle/>
+          <a:p>
+            <a:r>
+              <a:rPr lang="es-ES" dirty="0" smtClean="0"/>
+              <a:t>Por ejemplo, si está inscrito el actor Tom Hank y la película </a:t>
+            </a:r>
+            <a:r>
+              <a:rPr lang="es-ES" dirty="0" err="1" smtClean="0"/>
+              <a:t>Toy</a:t>
+            </a:r>
+            <a:r>
+              <a:rPr lang="es-ES" dirty="0" smtClean="0"/>
+              <a:t> </a:t>
+            </a:r>
+            <a:r>
+              <a:rPr lang="es-ES" dirty="0" err="1" smtClean="0"/>
+              <a:t>Story</a:t>
+            </a:r>
+            <a:r>
+              <a:rPr lang="es-ES" dirty="0" smtClean="0"/>
+              <a:t>, al escribir “To” y pulsar en buscar, el </a:t>
+            </a:r>
+            <a:r>
+              <a:rPr lang="es-ES" dirty="0" err="1" smtClean="0"/>
+              <a:t>textArea</a:t>
+            </a:r>
+            <a:r>
+              <a:rPr lang="es-ES" dirty="0" smtClean="0"/>
+              <a:t> debería mostrar algo </a:t>
+            </a:r>
+            <a:r>
+              <a:rPr lang="es-ES" dirty="0" err="1" smtClean="0"/>
+              <a:t>asi</a:t>
+            </a:r>
+            <a:r>
+              <a:rPr lang="es-ES" dirty="0" smtClean="0"/>
+              <a:t>:</a:t>
+            </a:r>
+          </a:p>
+          <a:p>
+            <a:r>
+              <a:rPr lang="es-ES" dirty="0" smtClean="0"/>
+              <a:t>PELICULAS</a:t>
+            </a:r>
+          </a:p>
+          <a:p>
+            <a:r>
+              <a:rPr lang="es-ES" dirty="0" smtClean="0"/>
+              <a:t>      </a:t>
+            </a:r>
+            <a:r>
+              <a:rPr lang="es-ES" dirty="0" err="1" smtClean="0"/>
+              <a:t>Toy</a:t>
+            </a:r>
+            <a:r>
+              <a:rPr lang="es-ES" dirty="0" smtClean="0"/>
+              <a:t> </a:t>
+            </a:r>
+            <a:r>
+              <a:rPr lang="es-ES" dirty="0" err="1" smtClean="0"/>
+              <a:t>Story</a:t>
+            </a:r>
+            <a:endParaRPr lang="es-ES" dirty="0" smtClean="0"/>
+          </a:p>
+          <a:p>
+            <a:r>
+              <a:rPr lang="es-ES" dirty="0"/>
+              <a:t>	</a:t>
+            </a:r>
+            <a:r>
+              <a:rPr lang="es-ES" dirty="0" smtClean="0"/>
+              <a:t>Tom </a:t>
+            </a:r>
+            <a:r>
+              <a:rPr lang="es-ES" dirty="0" err="1" smtClean="0"/>
+              <a:t>Hanks</a:t>
+            </a:r>
+            <a:endParaRPr lang="es-ES" dirty="0" smtClean="0"/>
+          </a:p>
+          <a:p>
+            <a:r>
+              <a:rPr lang="es-ES" dirty="0"/>
+              <a:t>	</a:t>
+            </a:r>
+            <a:r>
+              <a:rPr lang="es-ES" dirty="0" smtClean="0"/>
+              <a:t>Tim Allen</a:t>
+            </a:r>
+          </a:p>
+          <a:p>
+            <a:r>
+              <a:rPr lang="es-ES" dirty="0"/>
+              <a:t>	</a:t>
+            </a:r>
+            <a:r>
+              <a:rPr lang="es-ES" dirty="0" smtClean="0"/>
+              <a:t>Don </a:t>
+            </a:r>
+            <a:r>
+              <a:rPr lang="es-ES" dirty="0" err="1" smtClean="0"/>
+              <a:t>Rickles</a:t>
+            </a:r>
+            <a:endParaRPr lang="es-ES" dirty="0" smtClean="0"/>
+          </a:p>
+          <a:p>
+            <a:endParaRPr lang="es-ES" dirty="0" smtClean="0"/>
+          </a:p>
+          <a:p>
+            <a:r>
+              <a:rPr lang="es-ES" dirty="0" smtClean="0"/>
+              <a:t>ACTORES</a:t>
+            </a:r>
+          </a:p>
+          <a:p>
+            <a:r>
+              <a:rPr lang="es-ES" dirty="0" smtClean="0"/>
+              <a:t>      Tom </a:t>
+            </a:r>
+            <a:r>
+              <a:rPr lang="es-ES" dirty="0" err="1" smtClean="0"/>
+              <a:t>Hanks</a:t>
+            </a:r>
+            <a:endParaRPr lang="es-ES" dirty="0" smtClean="0"/>
+          </a:p>
+          <a:p>
+            <a:r>
+              <a:rPr lang="es-ES" dirty="0"/>
+              <a:t>	</a:t>
+            </a:r>
+            <a:r>
+              <a:rPr lang="es-ES" dirty="0" err="1" smtClean="0"/>
+              <a:t>Toy</a:t>
+            </a:r>
+            <a:r>
+              <a:rPr lang="es-ES" dirty="0" smtClean="0"/>
+              <a:t> </a:t>
+            </a:r>
+            <a:r>
+              <a:rPr lang="es-ES" dirty="0" err="1" smtClean="0"/>
+              <a:t>Story</a:t>
+            </a:r>
+            <a:endParaRPr lang="es-ES" dirty="0" smtClean="0"/>
+          </a:p>
+          <a:p>
+            <a:r>
+              <a:rPr lang="es-ES" dirty="0"/>
+              <a:t>	</a:t>
+            </a:r>
+            <a:r>
+              <a:rPr lang="es-ES" dirty="0" err="1" smtClean="0"/>
+              <a:t>The</a:t>
+            </a:r>
+            <a:r>
+              <a:rPr lang="es-ES" dirty="0" smtClean="0"/>
+              <a:t> Terminal</a:t>
+            </a:r>
+          </a:p>
+          <a:p>
+            <a:r>
+              <a:rPr lang="es-ES" dirty="0"/>
+              <a:t>	</a:t>
+            </a:r>
+            <a:r>
+              <a:rPr lang="es-ES" dirty="0" smtClean="0"/>
+              <a:t>Forrest </a:t>
+            </a:r>
+            <a:r>
+              <a:rPr lang="es-ES" dirty="0" err="1" smtClean="0"/>
+              <a:t>Gump</a:t>
+            </a:r>
+            <a:endParaRPr lang="es-ES" dirty="0" smtClean="0"/>
+          </a:p>
+          <a:p>
+            <a:endParaRPr lang="es-CO" dirty="0"/>
+          </a:p>
+        </p:txBody>
+      </p:sp>
+      <p:cxnSp>
+        <p:nvCxnSpPr>
+          <p:cNvPr id="8" name="Conector angular 7"/>
+          <p:cNvCxnSpPr>
+            <a:stCxn id="7" idx="3"/>
+            <a:endCxn id="17" idx="1"/>
+          </p:cNvCxnSpPr>
+          <p:nvPr/>
+        </p:nvCxnSpPr>
+        <p:spPr>
+          <a:xfrm flipV="1">
+            <a:off x="5878240" y="1674055"/>
+            <a:ext cx="1925807" cy="2264981"/>
+          </a:xfrm>
+          <a:prstGeom prst="bentConnector3">
+            <a:avLst>
+              <a:gd name="adj1" fmla="val 50000"/>
+            </a:avLst>
+          </a:prstGeom>
+        </p:spPr>
+        <p:style>
+          <a:lnRef idx="1">
+            <a:schemeClr val="accent1"/>
+          </a:lnRef>
+          <a:fillRef idx="0">
+            <a:schemeClr val="accent1"/>
+          </a:fillRef>
+          <a:effectRef idx="0">
+            <a:schemeClr val="accent1"/>
+          </a:effectRef>
+          <a:fontRef idx="minor">
+            <a:schemeClr val="tx1"/>
+          </a:fontRef>
+        </p:style>
+      </p:cxnSp>
+      <p:sp>
+        <p:nvSpPr>
+          <p:cNvPr id="9" name="Rectángulo 8"/>
+          <p:cNvSpPr/>
+          <p:nvPr/>
+        </p:nvSpPr>
+        <p:spPr>
+          <a:xfrm>
+            <a:off x="7804047" y="1039527"/>
+            <a:ext cx="72424" cy="72424"/>
+          </a:xfrm>
+          <a:prstGeom prst="rect">
+            <a:avLst/>
+          </a:prstGeom>
+        </p:spPr>
+        <p:style>
+          <a:lnRef idx="2">
+            <a:schemeClr val="accent1">
+              <a:shade val="50000"/>
+            </a:schemeClr>
+          </a:lnRef>
+          <a:fillRef idx="1">
+            <a:schemeClr val="accent1"/>
+          </a:fillRef>
+          <a:effectRef idx="0">
+            <a:schemeClr val="accent1"/>
+          </a:effectRef>
+          <a:fontRef idx="minor">
+            <a:schemeClr val="lt1"/>
+          </a:fontRef>
+        </p:style>
+        <p:txBody>
+          <a:bodyPr rtlCol="0" anchor="ctr"/>
+          <a:lstStyle/>
+          <a:p>
+            <a:pPr algn="ctr"/>
+            <a:endParaRPr lang="es-CO"/>
+          </a:p>
+        </p:txBody>
+      </p:sp>
+      <p:sp>
+        <p:nvSpPr>
+          <p:cNvPr id="15" name="Rectángulo 14"/>
+          <p:cNvSpPr/>
+          <p:nvPr/>
+        </p:nvSpPr>
+        <p:spPr>
+          <a:xfrm>
+            <a:off x="7804047" y="1242637"/>
+            <a:ext cx="72424" cy="72424"/>
+          </a:xfrm>
+          <a:prstGeom prst="rect">
+            <a:avLst/>
+          </a:prstGeom>
+        </p:spPr>
+        <p:style>
+          <a:lnRef idx="2">
+            <a:schemeClr val="accent1">
+              <a:shade val="50000"/>
+            </a:schemeClr>
+          </a:lnRef>
+          <a:fillRef idx="1">
+            <a:schemeClr val="accent1"/>
+          </a:fillRef>
+          <a:effectRef idx="0">
+            <a:schemeClr val="accent1"/>
+          </a:effectRef>
+          <a:fontRef idx="minor">
+            <a:schemeClr val="lt1"/>
+          </a:fontRef>
+        </p:style>
+        <p:txBody>
+          <a:bodyPr rtlCol="0" anchor="ctr"/>
+          <a:lstStyle/>
+          <a:p>
+            <a:pPr algn="ctr"/>
+            <a:endParaRPr lang="es-CO"/>
+          </a:p>
+        </p:txBody>
+      </p:sp>
+      <p:sp>
+        <p:nvSpPr>
+          <p:cNvPr id="16" name="Rectángulo 15"/>
+          <p:cNvSpPr/>
+          <p:nvPr/>
+        </p:nvSpPr>
+        <p:spPr>
+          <a:xfrm>
+            <a:off x="7804047" y="1442442"/>
+            <a:ext cx="72424" cy="72424"/>
+          </a:xfrm>
+          <a:prstGeom prst="rect">
+            <a:avLst/>
+          </a:prstGeom>
+        </p:spPr>
+        <p:style>
+          <a:lnRef idx="2">
+            <a:schemeClr val="accent1">
+              <a:shade val="50000"/>
+            </a:schemeClr>
+          </a:lnRef>
+          <a:fillRef idx="1">
+            <a:schemeClr val="accent1"/>
+          </a:fillRef>
+          <a:effectRef idx="0">
+            <a:schemeClr val="accent1"/>
+          </a:effectRef>
+          <a:fontRef idx="minor">
+            <a:schemeClr val="lt1"/>
+          </a:fontRef>
+        </p:style>
+        <p:txBody>
+          <a:bodyPr rtlCol="0" anchor="ctr"/>
+          <a:lstStyle/>
+          <a:p>
+            <a:pPr algn="ctr"/>
+            <a:endParaRPr lang="es-CO"/>
+          </a:p>
+        </p:txBody>
+      </p:sp>
+      <p:sp>
+        <p:nvSpPr>
+          <p:cNvPr id="17" name="Rectángulo 16"/>
+          <p:cNvSpPr/>
+          <p:nvPr/>
+        </p:nvSpPr>
+        <p:spPr>
+          <a:xfrm>
+            <a:off x="7804047" y="1637843"/>
+            <a:ext cx="72424" cy="72424"/>
+          </a:xfrm>
+          <a:prstGeom prst="rect">
+            <a:avLst/>
+          </a:prstGeom>
+        </p:spPr>
+        <p:style>
+          <a:lnRef idx="2">
+            <a:schemeClr val="accent1">
+              <a:shade val="50000"/>
+            </a:schemeClr>
+          </a:lnRef>
+          <a:fillRef idx="1">
+            <a:schemeClr val="accent1"/>
+          </a:fillRef>
+          <a:effectRef idx="0">
+            <a:schemeClr val="accent1"/>
+          </a:effectRef>
+          <a:fontRef idx="minor">
+            <a:schemeClr val="lt1"/>
+          </a:fontRef>
+        </p:style>
+        <p:txBody>
+          <a:bodyPr rtlCol="0" anchor="ctr"/>
+          <a:lstStyle/>
+          <a:p>
+            <a:pPr algn="ctr"/>
+            <a:endParaRPr lang="es-CO"/>
+          </a:p>
+        </p:txBody>
+      </p:sp>
+    </p:spTree>
+    <p:extLst>
+      <p:ext uri="{BB962C8B-B14F-4D97-AF65-F5344CB8AC3E}">
+        <p14:creationId xmlns:p14="http://schemas.microsoft.com/office/powerpoint/2010/main" val="3783828691"/>
+      </p:ext>
+    </p:extLst>
+  </p:cSld>
+  <p:clrMapOvr>
+    <a:masterClrMapping/>
+  </p:clrMapOvr>
+</p:sld>
+</file>
+
+<file path=ppt/slides/slide26.xml><?xml version="1.0" encoding="utf-8"?>
+<p:sld xmlns:a="http://schemas.openxmlformats.org/drawingml/2006/main" xmlns:r="http://schemas.openxmlformats.org/officeDocument/2006/relationships" xmlns:p="http://schemas.openxmlformats.org/presentationml/2006/main">
+  <p:cSld>
+    <p:spTree>
+      <p:nvGrpSpPr>
+        <p:cNvPr id="1" name=""/>
+        <p:cNvGrpSpPr/>
+        <p:nvPr/>
+      </p:nvGrpSpPr>
+      <p:grpSpPr>
+        <a:xfrm>
+          <a:off x="0" y="0"/>
+          <a:ext cx="0" cy="0"/>
+          <a:chOff x="0" y="0"/>
+          <a:chExt cx="0" cy="0"/>
+        </a:xfrm>
+      </p:grpSpPr>
+      <p:sp>
+        <p:nvSpPr>
+          <p:cNvPr id="2" name="Título 1"/>
+          <p:cNvSpPr>
+            <a:spLocks noGrp="1"/>
+          </p:cNvSpPr>
+          <p:nvPr>
+            <p:ph type="title"/>
+          </p:nvPr>
+        </p:nvSpPr>
+        <p:spPr/>
+        <p:txBody>
+          <a:bodyPr/>
+          <a:lstStyle/>
+          <a:p>
+            <a:r>
+              <a:rPr lang="es-ES" dirty="0" smtClean="0"/>
+              <a:t>Para la próxima clase</a:t>
+            </a:r>
+            <a:endParaRPr lang="es-CO" dirty="0"/>
+          </a:p>
+        </p:txBody>
+      </p:sp>
+      <p:sp>
+        <p:nvSpPr>
+          <p:cNvPr id="3" name="CuadroTexto 2"/>
+          <p:cNvSpPr txBox="1"/>
+          <p:nvPr/>
+        </p:nvSpPr>
+        <p:spPr>
+          <a:xfrm>
+            <a:off x="2867086" y="2231923"/>
+            <a:ext cx="6518787" cy="369332"/>
+          </a:xfrm>
+          <a:prstGeom prst="rect">
+            <a:avLst/>
+          </a:prstGeom>
+          <a:noFill/>
+        </p:spPr>
+        <p:txBody>
+          <a:bodyPr wrap="square" rtlCol="0">
+            <a:spAutoFit/>
+          </a:bodyPr>
+          <a:lstStyle/>
+          <a:p>
+            <a:pPr algn="ctr"/>
+            <a:r>
+              <a:rPr lang="es-CO" dirty="0">
+                <a:hlinkClick r:id="rId2"/>
+              </a:rPr>
+              <a:t>https://www.youtube.com/watch?v=EheOV3BWHWg&amp;t=146s</a:t>
+            </a:r>
+            <a:endParaRPr lang="es-CO" dirty="0"/>
+          </a:p>
+        </p:txBody>
+      </p:sp>
+      <p:sp>
+        <p:nvSpPr>
+          <p:cNvPr id="4" name="CuadroTexto 3"/>
+          <p:cNvSpPr txBox="1"/>
+          <p:nvPr/>
+        </p:nvSpPr>
+        <p:spPr>
+          <a:xfrm>
+            <a:off x="3810982" y="3095818"/>
+            <a:ext cx="4630994" cy="523220"/>
+          </a:xfrm>
+          <a:prstGeom prst="rect">
+            <a:avLst/>
+          </a:prstGeom>
+          <a:noFill/>
+        </p:spPr>
+        <p:txBody>
+          <a:bodyPr wrap="square" rtlCol="0">
+            <a:spAutoFit/>
+          </a:bodyPr>
+          <a:lstStyle/>
+          <a:p>
+            <a:pPr algn="ctr"/>
+            <a:r>
+              <a:rPr lang="es-ES" sz="2800" dirty="0" smtClean="0"/>
+              <a:t>HASTA EL MINUTO 8:34</a:t>
+            </a:r>
+            <a:endParaRPr lang="es-CO" sz="2800" dirty="0"/>
+          </a:p>
+        </p:txBody>
+      </p:sp>
+    </p:spTree>
+    <p:extLst>
+      <p:ext uri="{BB962C8B-B14F-4D97-AF65-F5344CB8AC3E}">
+        <p14:creationId xmlns:p14="http://schemas.microsoft.com/office/powerpoint/2010/main" val="2192678511"/>
+      </p:ext>
+    </p:extLst>
+  </p:cSld>
+  <p:clrMapOvr>
+    <a:masterClrMapping/>
+  </p:clrMapOvr>
 </p:sld>
 </file>
 
@@ -11847,7 +14137,7 @@
           <p:nvPr>
             <p:extLst>
               <p:ext uri="{D42A27DB-BD31-4B8C-83A1-F6EECF244321}">
-                <p14:modId xmlns:p14="http://schemas.microsoft.com/office/powerpoint/2010/main" val="2541337027"/>
+                <p14:modId xmlns:p14="http://schemas.microsoft.com/office/powerpoint/2010/main" val="1972432370"/>
               </p:ext>
             </p:extLst>
           </p:nvPr>
@@ -11935,7 +14225,7 @@
                     <a:p>
                       <a:r>
                         <a:rPr lang="es-ES" dirty="0" smtClean="0"/>
-                        <a:t>Juan David Paz</a:t>
+                        <a:t>Nelson Quiñonez</a:t>
                       </a:r>
                       <a:endParaRPr lang="es-CO" dirty="0"/>
                     </a:p>
@@ -11970,15 +14260,7 @@
                     <a:p>
                       <a:r>
                         <a:rPr lang="es-ES" dirty="0" smtClean="0"/>
-                        <a:t>Juan Camilo</a:t>
-                      </a:r>
-                      <a:r>
-                        <a:rPr lang="es-ES" baseline="0" dirty="0" smtClean="0"/>
-                        <a:t> </a:t>
-                      </a:r>
-                      <a:r>
-                        <a:rPr lang="es-ES" baseline="0" dirty="0" err="1" smtClean="0"/>
-                        <a:t>Velez</a:t>
+                        <a:t>Sebastián Rebolledo</a:t>
                       </a:r>
                       <a:endParaRPr lang="es-CO" dirty="0"/>
                     </a:p>
